--- a/TCHUG_NLP_PYSPARK.pptx
+++ b/TCHUG_NLP_PYSPARK.pptx
@@ -4,25 +4,33 @@
   <p:sldMasterIdLst>
     <p:sldMasterId id="2147483648" r:id="rId1"/>
   </p:sldMasterIdLst>
+  <p:notesMasterIdLst>
+    <p:notesMasterId r:id="rId25"/>
+  </p:notesMasterIdLst>
   <p:sldIdLst>
     <p:sldId id="256" r:id="rId2"/>
     <p:sldId id="257" r:id="rId3"/>
-    <p:sldId id="258" r:id="rId4"/>
-    <p:sldId id="264" r:id="rId5"/>
-    <p:sldId id="259" r:id="rId6"/>
-    <p:sldId id="267" r:id="rId7"/>
-    <p:sldId id="260" r:id="rId8"/>
-    <p:sldId id="261" r:id="rId9"/>
-    <p:sldId id="262" r:id="rId10"/>
-    <p:sldId id="263" r:id="rId11"/>
-    <p:sldId id="265" r:id="rId12"/>
-    <p:sldId id="266" r:id="rId13"/>
-    <p:sldId id="268" r:id="rId14"/>
-    <p:sldId id="269" r:id="rId15"/>
-    <p:sldId id="272" r:id="rId16"/>
-    <p:sldId id="270" r:id="rId17"/>
-    <p:sldId id="271" r:id="rId18"/>
-    <p:sldId id="273" r:id="rId19"/>
+    <p:sldId id="275" r:id="rId4"/>
+    <p:sldId id="258" r:id="rId5"/>
+    <p:sldId id="279" r:id="rId6"/>
+    <p:sldId id="274" r:id="rId7"/>
+    <p:sldId id="276" r:id="rId8"/>
+    <p:sldId id="277" r:id="rId9"/>
+    <p:sldId id="264" r:id="rId10"/>
+    <p:sldId id="278" r:id="rId11"/>
+    <p:sldId id="267" r:id="rId12"/>
+    <p:sldId id="260" r:id="rId13"/>
+    <p:sldId id="261" r:id="rId14"/>
+    <p:sldId id="262" r:id="rId15"/>
+    <p:sldId id="263" r:id="rId16"/>
+    <p:sldId id="265" r:id="rId17"/>
+    <p:sldId id="266" r:id="rId18"/>
+    <p:sldId id="268" r:id="rId19"/>
+    <p:sldId id="269" r:id="rId20"/>
+    <p:sldId id="272" r:id="rId21"/>
+    <p:sldId id="270" r:id="rId22"/>
+    <p:sldId id="271" r:id="rId23"/>
+    <p:sldId id="273" r:id="rId24"/>
   </p:sldIdLst>
   <p:sldSz cx="12192000" cy="6858000"/>
   <p:notesSz cx="6858000" cy="9144000"/>
@@ -121,7 +129,566 @@
       </a:defRPr>
     </a:lvl9pPr>
   </p:defaultTextStyle>
+  <p:extLst>
+    <p:ext uri="{EFAFB233-063F-42B5-8137-9DF3F51BA10A}">
+      <p15:sldGuideLst xmlns:p15="http://schemas.microsoft.com/office/powerpoint/2012/main"/>
+    </p:ext>
+  </p:extLst>
 </p:presentation>
+</file>
+
+<file path=ppt/notesMasters/notesMaster1.xml><?xml version="1.0" encoding="utf-8"?>
+<p:notesMaster xmlns:a="http://schemas.openxmlformats.org/drawingml/2006/main" xmlns:r="http://schemas.openxmlformats.org/officeDocument/2006/relationships" xmlns:p="http://schemas.openxmlformats.org/presentationml/2006/main">
+  <p:cSld>
+    <p:bg>
+      <p:bgRef idx="1001">
+        <a:schemeClr val="bg1"/>
+      </p:bgRef>
+    </p:bg>
+    <p:spTree>
+      <p:nvGrpSpPr>
+        <p:cNvPr id="1" name=""/>
+        <p:cNvGrpSpPr/>
+        <p:nvPr/>
+      </p:nvGrpSpPr>
+      <p:grpSpPr>
+        <a:xfrm>
+          <a:off x="0" y="0"/>
+          <a:ext cx="0" cy="0"/>
+          <a:chOff x="0" y="0"/>
+          <a:chExt cx="0" cy="0"/>
+        </a:xfrm>
+      </p:grpSpPr>
+      <p:sp>
+        <p:nvSpPr>
+          <p:cNvPr id="2" name="Header Placeholder 1"/>
+          <p:cNvSpPr>
+            <a:spLocks noGrp="1"/>
+          </p:cNvSpPr>
+          <p:nvPr>
+            <p:ph type="hdr" sz="quarter"/>
+          </p:nvPr>
+        </p:nvSpPr>
+        <p:spPr>
+          <a:xfrm>
+            <a:off x="0" y="0"/>
+            <a:ext cx="2971800" cy="458788"/>
+          </a:xfrm>
+          <a:prstGeom prst="rect">
+            <a:avLst/>
+          </a:prstGeom>
+        </p:spPr>
+        <p:txBody>
+          <a:bodyPr vert="horz" lIns="91440" tIns="45720" rIns="91440" bIns="45720" rtlCol="0"/>
+          <a:lstStyle>
+            <a:lvl1pPr algn="l">
+              <a:defRPr sz="1200"/>
+            </a:lvl1pPr>
+          </a:lstStyle>
+          <a:p>
+            <a:endParaRPr lang="en-US"/>
+          </a:p>
+        </p:txBody>
+      </p:sp>
+      <p:sp>
+        <p:nvSpPr>
+          <p:cNvPr id="3" name="Date Placeholder 2"/>
+          <p:cNvSpPr>
+            <a:spLocks noGrp="1"/>
+          </p:cNvSpPr>
+          <p:nvPr>
+            <p:ph type="dt" idx="1"/>
+          </p:nvPr>
+        </p:nvSpPr>
+        <p:spPr>
+          <a:xfrm>
+            <a:off x="3884613" y="0"/>
+            <a:ext cx="2971800" cy="458788"/>
+          </a:xfrm>
+          <a:prstGeom prst="rect">
+            <a:avLst/>
+          </a:prstGeom>
+        </p:spPr>
+        <p:txBody>
+          <a:bodyPr vert="horz" lIns="91440" tIns="45720" rIns="91440" bIns="45720" rtlCol="0"/>
+          <a:lstStyle>
+            <a:lvl1pPr algn="r">
+              <a:defRPr sz="1200"/>
+            </a:lvl1pPr>
+          </a:lstStyle>
+          <a:p>
+            <a:fld id="{206388D5-DDC2-4547-B82D-24C0CC6CF13D}" type="datetimeFigureOut">
+              <a:rPr lang="en-US" smtClean="0"/>
+              <a:t>1/20/16</a:t>
+            </a:fld>
+            <a:endParaRPr lang="en-US"/>
+          </a:p>
+        </p:txBody>
+      </p:sp>
+      <p:sp>
+        <p:nvSpPr>
+          <p:cNvPr id="4" name="Slide Image Placeholder 3"/>
+          <p:cNvSpPr>
+            <a:spLocks noGrp="1" noRot="1" noChangeAspect="1"/>
+          </p:cNvSpPr>
+          <p:nvPr>
+            <p:ph type="sldImg" idx="2"/>
+          </p:nvPr>
+        </p:nvSpPr>
+        <p:spPr>
+          <a:xfrm>
+            <a:off x="685800" y="1143000"/>
+            <a:ext cx="5486400" cy="3086100"/>
+          </a:xfrm>
+          <a:prstGeom prst="rect">
+            <a:avLst/>
+          </a:prstGeom>
+          <a:noFill/>
+          <a:ln w="12700">
+            <a:solidFill>
+              <a:prstClr val="black"/>
+            </a:solidFill>
+          </a:ln>
+        </p:spPr>
+        <p:txBody>
+          <a:bodyPr vert="horz" lIns="91440" tIns="45720" rIns="91440" bIns="45720" rtlCol="0" anchor="ctr"/>
+          <a:lstStyle/>
+          <a:p>
+            <a:endParaRPr lang="en-US"/>
+          </a:p>
+        </p:txBody>
+      </p:sp>
+      <p:sp>
+        <p:nvSpPr>
+          <p:cNvPr id="5" name="Notes Placeholder 4"/>
+          <p:cNvSpPr>
+            <a:spLocks noGrp="1"/>
+          </p:cNvSpPr>
+          <p:nvPr>
+            <p:ph type="body" sz="quarter" idx="3"/>
+          </p:nvPr>
+        </p:nvSpPr>
+        <p:spPr>
+          <a:xfrm>
+            <a:off x="685800" y="4400550"/>
+            <a:ext cx="5486400" cy="3600450"/>
+          </a:xfrm>
+          <a:prstGeom prst="rect">
+            <a:avLst/>
+          </a:prstGeom>
+        </p:spPr>
+        <p:txBody>
+          <a:bodyPr vert="horz" lIns="91440" tIns="45720" rIns="91440" bIns="45720" rtlCol="0"/>
+          <a:lstStyle/>
+          <a:p>
+            <a:pPr lvl="0"/>
+            <a:r>
+              <a:rPr lang="en-US" smtClean="0"/>
+              <a:t>Click to edit Master text styles</a:t>
+            </a:r>
+          </a:p>
+          <a:p>
+            <a:pPr lvl="1"/>
+            <a:r>
+              <a:rPr lang="en-US" smtClean="0"/>
+              <a:t>Second level</a:t>
+            </a:r>
+          </a:p>
+          <a:p>
+            <a:pPr lvl="2"/>
+            <a:r>
+              <a:rPr lang="en-US" smtClean="0"/>
+              <a:t>Third level</a:t>
+            </a:r>
+          </a:p>
+          <a:p>
+            <a:pPr lvl="3"/>
+            <a:r>
+              <a:rPr lang="en-US" smtClean="0"/>
+              <a:t>Fourth level</a:t>
+            </a:r>
+          </a:p>
+          <a:p>
+            <a:pPr lvl="4"/>
+            <a:r>
+              <a:rPr lang="en-US" smtClean="0"/>
+              <a:t>Fifth level</a:t>
+            </a:r>
+            <a:endParaRPr lang="en-US"/>
+          </a:p>
+        </p:txBody>
+      </p:sp>
+      <p:sp>
+        <p:nvSpPr>
+          <p:cNvPr id="6" name="Footer Placeholder 5"/>
+          <p:cNvSpPr>
+            <a:spLocks noGrp="1"/>
+          </p:cNvSpPr>
+          <p:nvPr>
+            <p:ph type="ftr" sz="quarter" idx="4"/>
+          </p:nvPr>
+        </p:nvSpPr>
+        <p:spPr>
+          <a:xfrm>
+            <a:off x="0" y="8685213"/>
+            <a:ext cx="2971800" cy="458787"/>
+          </a:xfrm>
+          <a:prstGeom prst="rect">
+            <a:avLst/>
+          </a:prstGeom>
+        </p:spPr>
+        <p:txBody>
+          <a:bodyPr vert="horz" lIns="91440" tIns="45720" rIns="91440" bIns="45720" rtlCol="0" anchor="b"/>
+          <a:lstStyle>
+            <a:lvl1pPr algn="l">
+              <a:defRPr sz="1200"/>
+            </a:lvl1pPr>
+          </a:lstStyle>
+          <a:p>
+            <a:endParaRPr lang="en-US"/>
+          </a:p>
+        </p:txBody>
+      </p:sp>
+      <p:sp>
+        <p:nvSpPr>
+          <p:cNvPr id="7" name="Slide Number Placeholder 6"/>
+          <p:cNvSpPr>
+            <a:spLocks noGrp="1"/>
+          </p:cNvSpPr>
+          <p:nvPr>
+            <p:ph type="sldNum" sz="quarter" idx="5"/>
+          </p:nvPr>
+        </p:nvSpPr>
+        <p:spPr>
+          <a:xfrm>
+            <a:off x="3884613" y="8685213"/>
+            <a:ext cx="2971800" cy="458787"/>
+          </a:xfrm>
+          <a:prstGeom prst="rect">
+            <a:avLst/>
+          </a:prstGeom>
+        </p:spPr>
+        <p:txBody>
+          <a:bodyPr vert="horz" lIns="91440" tIns="45720" rIns="91440" bIns="45720" rtlCol="0" anchor="b"/>
+          <a:lstStyle>
+            <a:lvl1pPr algn="r">
+              <a:defRPr sz="1200"/>
+            </a:lvl1pPr>
+          </a:lstStyle>
+          <a:p>
+            <a:fld id="{DE1B1141-A112-4545-943B-0E330AFF852A}" type="slidenum">
+              <a:rPr lang="en-US" smtClean="0"/>
+              <a:t>‹#›</a:t>
+            </a:fld>
+            <a:endParaRPr lang="en-US"/>
+          </a:p>
+        </p:txBody>
+      </p:sp>
+    </p:spTree>
+    <p:extLst>
+      <p:ext uri="{BB962C8B-B14F-4D97-AF65-F5344CB8AC3E}">
+        <p14:creationId xmlns:p14="http://schemas.microsoft.com/office/powerpoint/2010/main" val="604290491"/>
+      </p:ext>
+    </p:extLst>
+  </p:cSld>
+  <p:clrMap bg1="lt1" tx1="dk1" bg2="lt2" tx2="dk2" accent1="accent1" accent2="accent2" accent3="accent3" accent4="accent4" accent5="accent5" accent6="accent6" hlink="hlink" folHlink="folHlink"/>
+  <p:notesStyle>
+    <a:lvl1pPr marL="0" algn="l" defTabSz="914400" rtl="0" eaLnBrk="1" latinLnBrk="0" hangingPunct="1">
+      <a:defRPr sz="1200" kern="1200">
+        <a:solidFill>
+          <a:schemeClr val="tx1"/>
+        </a:solidFill>
+        <a:latin typeface="+mn-lt"/>
+        <a:ea typeface="+mn-ea"/>
+        <a:cs typeface="+mn-cs"/>
+      </a:defRPr>
+    </a:lvl1pPr>
+    <a:lvl2pPr marL="457200" algn="l" defTabSz="914400" rtl="0" eaLnBrk="1" latinLnBrk="0" hangingPunct="1">
+      <a:defRPr sz="1200" kern="1200">
+        <a:solidFill>
+          <a:schemeClr val="tx1"/>
+        </a:solidFill>
+        <a:latin typeface="+mn-lt"/>
+        <a:ea typeface="+mn-ea"/>
+        <a:cs typeface="+mn-cs"/>
+      </a:defRPr>
+    </a:lvl2pPr>
+    <a:lvl3pPr marL="914400" algn="l" defTabSz="914400" rtl="0" eaLnBrk="1" latinLnBrk="0" hangingPunct="1">
+      <a:defRPr sz="1200" kern="1200">
+        <a:solidFill>
+          <a:schemeClr val="tx1"/>
+        </a:solidFill>
+        <a:latin typeface="+mn-lt"/>
+        <a:ea typeface="+mn-ea"/>
+        <a:cs typeface="+mn-cs"/>
+      </a:defRPr>
+    </a:lvl3pPr>
+    <a:lvl4pPr marL="1371600" algn="l" defTabSz="914400" rtl="0" eaLnBrk="1" latinLnBrk="0" hangingPunct="1">
+      <a:defRPr sz="1200" kern="1200">
+        <a:solidFill>
+          <a:schemeClr val="tx1"/>
+        </a:solidFill>
+        <a:latin typeface="+mn-lt"/>
+        <a:ea typeface="+mn-ea"/>
+        <a:cs typeface="+mn-cs"/>
+      </a:defRPr>
+    </a:lvl4pPr>
+    <a:lvl5pPr marL="1828800" algn="l" defTabSz="914400" rtl="0" eaLnBrk="1" latinLnBrk="0" hangingPunct="1">
+      <a:defRPr sz="1200" kern="1200">
+        <a:solidFill>
+          <a:schemeClr val="tx1"/>
+        </a:solidFill>
+        <a:latin typeface="+mn-lt"/>
+        <a:ea typeface="+mn-ea"/>
+        <a:cs typeface="+mn-cs"/>
+      </a:defRPr>
+    </a:lvl5pPr>
+    <a:lvl6pPr marL="2286000" algn="l" defTabSz="914400" rtl="0" eaLnBrk="1" latinLnBrk="0" hangingPunct="1">
+      <a:defRPr sz="1200" kern="1200">
+        <a:solidFill>
+          <a:schemeClr val="tx1"/>
+        </a:solidFill>
+        <a:latin typeface="+mn-lt"/>
+        <a:ea typeface="+mn-ea"/>
+        <a:cs typeface="+mn-cs"/>
+      </a:defRPr>
+    </a:lvl6pPr>
+    <a:lvl7pPr marL="2743200" algn="l" defTabSz="914400" rtl="0" eaLnBrk="1" latinLnBrk="0" hangingPunct="1">
+      <a:defRPr sz="1200" kern="1200">
+        <a:solidFill>
+          <a:schemeClr val="tx1"/>
+        </a:solidFill>
+        <a:latin typeface="+mn-lt"/>
+        <a:ea typeface="+mn-ea"/>
+        <a:cs typeface="+mn-cs"/>
+      </a:defRPr>
+    </a:lvl7pPr>
+    <a:lvl8pPr marL="3200400" algn="l" defTabSz="914400" rtl="0" eaLnBrk="1" latinLnBrk="0" hangingPunct="1">
+      <a:defRPr sz="1200" kern="1200">
+        <a:solidFill>
+          <a:schemeClr val="tx1"/>
+        </a:solidFill>
+        <a:latin typeface="+mn-lt"/>
+        <a:ea typeface="+mn-ea"/>
+        <a:cs typeface="+mn-cs"/>
+      </a:defRPr>
+    </a:lvl8pPr>
+    <a:lvl9pPr marL="3657600" algn="l" defTabSz="914400" rtl="0" eaLnBrk="1" latinLnBrk="0" hangingPunct="1">
+      <a:defRPr sz="1200" kern="1200">
+        <a:solidFill>
+          <a:schemeClr val="tx1"/>
+        </a:solidFill>
+        <a:latin typeface="+mn-lt"/>
+        <a:ea typeface="+mn-ea"/>
+        <a:cs typeface="+mn-cs"/>
+      </a:defRPr>
+    </a:lvl9pPr>
+  </p:notesStyle>
+</p:notesMaster>
+</file>
+
+<file path=ppt/notesSlides/notesSlide1.xml><?xml version="1.0" encoding="utf-8"?>
+<p:notes xmlns:a="http://schemas.openxmlformats.org/drawingml/2006/main" xmlns:r="http://schemas.openxmlformats.org/officeDocument/2006/relationships" xmlns:p="http://schemas.openxmlformats.org/presentationml/2006/main">
+  <p:cSld>
+    <p:spTree>
+      <p:nvGrpSpPr>
+        <p:cNvPr id="1" name=""/>
+        <p:cNvGrpSpPr/>
+        <p:nvPr/>
+      </p:nvGrpSpPr>
+      <p:grpSpPr>
+        <a:xfrm>
+          <a:off x="0" y="0"/>
+          <a:ext cx="0" cy="0"/>
+          <a:chOff x="0" y="0"/>
+          <a:chExt cx="0" cy="0"/>
+        </a:xfrm>
+      </p:grpSpPr>
+      <p:sp>
+        <p:nvSpPr>
+          <p:cNvPr id="2" name="Slide Image Placeholder 1"/>
+          <p:cNvSpPr>
+            <a:spLocks noGrp="1" noRot="1" noChangeAspect="1"/>
+          </p:cNvSpPr>
+          <p:nvPr>
+            <p:ph type="sldImg"/>
+          </p:nvPr>
+        </p:nvSpPr>
+        <p:spPr/>
+      </p:sp>
+      <p:sp>
+        <p:nvSpPr>
+          <p:cNvPr id="3" name="Notes Placeholder 2"/>
+          <p:cNvSpPr>
+            <a:spLocks noGrp="1"/>
+          </p:cNvSpPr>
+          <p:nvPr>
+            <p:ph type="body" idx="1"/>
+          </p:nvPr>
+        </p:nvSpPr>
+        <p:spPr/>
+        <p:txBody>
+          <a:bodyPr/>
+          <a:lstStyle/>
+          <a:p>
+            <a:r>
+              <a:rPr lang="en-US" dirty="0" smtClean="0"/>
+              <a:t>Compare</a:t>
+            </a:r>
+            <a:r>
+              <a:rPr lang="en-US" baseline="0" dirty="0" smtClean="0"/>
+              <a:t> to Spam filtering</a:t>
+            </a:r>
+          </a:p>
+          <a:p>
+            <a:endParaRPr lang="en-US" dirty="0"/>
+          </a:p>
+        </p:txBody>
+      </p:sp>
+      <p:sp>
+        <p:nvSpPr>
+          <p:cNvPr id="4" name="Slide Number Placeholder 3"/>
+          <p:cNvSpPr>
+            <a:spLocks noGrp="1"/>
+          </p:cNvSpPr>
+          <p:nvPr>
+            <p:ph type="sldNum" sz="quarter" idx="10"/>
+          </p:nvPr>
+        </p:nvSpPr>
+        <p:spPr/>
+        <p:txBody>
+          <a:bodyPr/>
+          <a:lstStyle/>
+          <a:p>
+            <a:fld id="{DE1B1141-A112-4545-943B-0E330AFF852A}" type="slidenum">
+              <a:rPr lang="en-US" smtClean="0"/>
+              <a:t>7</a:t>
+            </a:fld>
+            <a:endParaRPr lang="en-US"/>
+          </a:p>
+        </p:txBody>
+      </p:sp>
+    </p:spTree>
+    <p:extLst>
+      <p:ext uri="{BB962C8B-B14F-4D97-AF65-F5344CB8AC3E}">
+        <p14:creationId xmlns:p14="http://schemas.microsoft.com/office/powerpoint/2010/main" val="860115574"/>
+      </p:ext>
+    </p:extLst>
+  </p:cSld>
+  <p:clrMapOvr>
+    <a:masterClrMapping/>
+  </p:clrMapOvr>
+</p:notes>
+</file>
+
+<file path=ppt/notesSlides/notesSlide2.xml><?xml version="1.0" encoding="utf-8"?>
+<p:notes xmlns:a="http://schemas.openxmlformats.org/drawingml/2006/main" xmlns:r="http://schemas.openxmlformats.org/officeDocument/2006/relationships" xmlns:p="http://schemas.openxmlformats.org/presentationml/2006/main">
+  <p:cSld>
+    <p:spTree>
+      <p:nvGrpSpPr>
+        <p:cNvPr id="1" name=""/>
+        <p:cNvGrpSpPr/>
+        <p:nvPr/>
+      </p:nvGrpSpPr>
+      <p:grpSpPr>
+        <a:xfrm>
+          <a:off x="0" y="0"/>
+          <a:ext cx="0" cy="0"/>
+          <a:chOff x="0" y="0"/>
+          <a:chExt cx="0" cy="0"/>
+        </a:xfrm>
+      </p:grpSpPr>
+      <p:sp>
+        <p:nvSpPr>
+          <p:cNvPr id="2" name="Slide Image Placeholder 1"/>
+          <p:cNvSpPr>
+            <a:spLocks noGrp="1" noRot="1" noChangeAspect="1"/>
+          </p:cNvSpPr>
+          <p:nvPr>
+            <p:ph type="sldImg"/>
+          </p:nvPr>
+        </p:nvSpPr>
+        <p:spPr/>
+      </p:sp>
+      <p:sp>
+        <p:nvSpPr>
+          <p:cNvPr id="3" name="Notes Placeholder 2"/>
+          <p:cNvSpPr>
+            <a:spLocks noGrp="1"/>
+          </p:cNvSpPr>
+          <p:nvPr>
+            <p:ph type="body" idx="1"/>
+          </p:nvPr>
+        </p:nvSpPr>
+        <p:spPr/>
+        <p:txBody>
+          <a:bodyPr/>
+          <a:lstStyle/>
+          <a:p>
+            <a:r>
+              <a:rPr lang="en-US" dirty="0" smtClean="0"/>
+              <a:t>Talk about downsides</a:t>
+            </a:r>
+          </a:p>
+          <a:p>
+            <a:r>
+              <a:rPr lang="en-US" dirty="0" smtClean="0"/>
+              <a:t>-horrible</a:t>
+            </a:r>
+            <a:r>
+              <a:rPr lang="en-US" baseline="0" dirty="0" smtClean="0"/>
+              <a:t> debugging</a:t>
+            </a:r>
+          </a:p>
+          <a:p>
+            <a:r>
+              <a:rPr lang="en-US" baseline="0" dirty="0" smtClean="0"/>
+              <a:t>-some features lag</a:t>
+            </a:r>
+          </a:p>
+          <a:p>
+            <a:r>
+              <a:rPr lang="en-US" baseline="0" dirty="0" smtClean="0"/>
+              <a:t>-speed</a:t>
+            </a:r>
+            <a:endParaRPr lang="en-US" dirty="0" smtClean="0"/>
+          </a:p>
+        </p:txBody>
+      </p:sp>
+      <p:sp>
+        <p:nvSpPr>
+          <p:cNvPr id="4" name="Slide Number Placeholder 3"/>
+          <p:cNvSpPr>
+            <a:spLocks noGrp="1"/>
+          </p:cNvSpPr>
+          <p:nvPr>
+            <p:ph type="sldNum" sz="quarter" idx="10"/>
+          </p:nvPr>
+        </p:nvSpPr>
+        <p:spPr/>
+        <p:txBody>
+          <a:bodyPr/>
+          <a:lstStyle/>
+          <a:p>
+            <a:fld id="{DE1B1141-A112-4545-943B-0E330AFF852A}" type="slidenum">
+              <a:rPr lang="en-US" smtClean="0"/>
+              <a:t>10</a:t>
+            </a:fld>
+            <a:endParaRPr lang="en-US"/>
+          </a:p>
+        </p:txBody>
+      </p:sp>
+    </p:spTree>
+    <p:extLst>
+      <p:ext uri="{BB962C8B-B14F-4D97-AF65-F5344CB8AC3E}">
+        <p14:creationId xmlns:p14="http://schemas.microsoft.com/office/powerpoint/2010/main" val="1026443089"/>
+      </p:ext>
+    </p:extLst>
+  </p:cSld>
+  <p:clrMapOvr>
+    <a:masterClrMapping/>
+  </p:clrMapOvr>
+</p:notes>
 </file>
 
 <file path=ppt/slideLayouts/slideLayout1.xml><?xml version="1.0" encoding="utf-8"?>
@@ -255,7 +822,7 @@
           <a:p>
             <a:fld id="{5CD06EC4-26C6-FC4A-831A-AF90EFA27657}" type="datetimeFigureOut">
               <a:rPr lang="en-US" smtClean="0"/>
-              <a:t>1/17/16</a:t>
+              <a:t>1/20/16</a:t>
             </a:fld>
             <a:endParaRPr lang="en-US"/>
           </a:p>
@@ -425,7 +992,7 @@
           <a:p>
             <a:fld id="{5CD06EC4-26C6-FC4A-831A-AF90EFA27657}" type="datetimeFigureOut">
               <a:rPr lang="en-US" smtClean="0"/>
-              <a:t>1/17/16</a:t>
+              <a:t>1/20/16</a:t>
             </a:fld>
             <a:endParaRPr lang="en-US"/>
           </a:p>
@@ -605,7 +1172,7 @@
           <a:p>
             <a:fld id="{5CD06EC4-26C6-FC4A-831A-AF90EFA27657}" type="datetimeFigureOut">
               <a:rPr lang="en-US" smtClean="0"/>
-              <a:t>1/17/16</a:t>
+              <a:t>1/20/16</a:t>
             </a:fld>
             <a:endParaRPr lang="en-US"/>
           </a:p>
@@ -775,7 +1342,7 @@
           <a:p>
             <a:fld id="{5CD06EC4-26C6-FC4A-831A-AF90EFA27657}" type="datetimeFigureOut">
               <a:rPr lang="en-US" smtClean="0"/>
-              <a:t>1/17/16</a:t>
+              <a:t>1/20/16</a:t>
             </a:fld>
             <a:endParaRPr lang="en-US"/>
           </a:p>
@@ -1021,7 +1588,7 @@
           <a:p>
             <a:fld id="{5CD06EC4-26C6-FC4A-831A-AF90EFA27657}" type="datetimeFigureOut">
               <a:rPr lang="en-US" smtClean="0"/>
-              <a:t>1/17/16</a:t>
+              <a:t>1/20/16</a:t>
             </a:fld>
             <a:endParaRPr lang="en-US"/>
           </a:p>
@@ -1253,7 +1820,7 @@
           <a:p>
             <a:fld id="{5CD06EC4-26C6-FC4A-831A-AF90EFA27657}" type="datetimeFigureOut">
               <a:rPr lang="en-US" smtClean="0"/>
-              <a:t>1/17/16</a:t>
+              <a:t>1/20/16</a:t>
             </a:fld>
             <a:endParaRPr lang="en-US"/>
           </a:p>
@@ -1620,7 +2187,7 @@
           <a:p>
             <a:fld id="{5CD06EC4-26C6-FC4A-831A-AF90EFA27657}" type="datetimeFigureOut">
               <a:rPr lang="en-US" smtClean="0"/>
-              <a:t>1/17/16</a:t>
+              <a:t>1/20/16</a:t>
             </a:fld>
             <a:endParaRPr lang="en-US"/>
           </a:p>
@@ -1738,7 +2305,7 @@
           <a:p>
             <a:fld id="{5CD06EC4-26C6-FC4A-831A-AF90EFA27657}" type="datetimeFigureOut">
               <a:rPr lang="en-US" smtClean="0"/>
-              <a:t>1/17/16</a:t>
+              <a:t>1/20/16</a:t>
             </a:fld>
             <a:endParaRPr lang="en-US"/>
           </a:p>
@@ -1833,7 +2400,7 @@
           <a:p>
             <a:fld id="{5CD06EC4-26C6-FC4A-831A-AF90EFA27657}" type="datetimeFigureOut">
               <a:rPr lang="en-US" smtClean="0"/>
-              <a:t>1/17/16</a:t>
+              <a:t>1/20/16</a:t>
             </a:fld>
             <a:endParaRPr lang="en-US"/>
           </a:p>
@@ -2110,7 +2677,7 @@
           <a:p>
             <a:fld id="{5CD06EC4-26C6-FC4A-831A-AF90EFA27657}" type="datetimeFigureOut">
               <a:rPr lang="en-US" smtClean="0"/>
-              <a:t>1/17/16</a:t>
+              <a:t>1/20/16</a:t>
             </a:fld>
             <a:endParaRPr lang="en-US"/>
           </a:p>
@@ -2363,7 +2930,7 @@
           <a:p>
             <a:fld id="{5CD06EC4-26C6-FC4A-831A-AF90EFA27657}" type="datetimeFigureOut">
               <a:rPr lang="en-US" smtClean="0"/>
-              <a:t>1/17/16</a:t>
+              <a:t>1/20/16</a:t>
             </a:fld>
             <a:endParaRPr lang="en-US"/>
           </a:p>
@@ -2576,7 +3143,7 @@
           <a:p>
             <a:fld id="{5CD06EC4-26C6-FC4A-831A-AF90EFA27657}" type="datetimeFigureOut">
               <a:rPr lang="en-US" smtClean="0"/>
-              <a:t>1/17/16</a:t>
+              <a:t>1/20/16</a:t>
             </a:fld>
             <a:endParaRPr lang="en-US"/>
           </a:p>
@@ -2991,46 +3558,118 @@
             <p:ph type="ctrTitle"/>
           </p:nvPr>
         </p:nvSpPr>
-        <p:spPr/>
-        <p:txBody>
-          <a:bodyPr/>
-          <a:lstStyle/>
-          <a:p>
-            <a:r>
-              <a:rPr lang="en-US" dirty="0" smtClean="0"/>
-              <a:t>NLP with </a:t>
-            </a:r>
-            <a:r>
-              <a:rPr lang="en-US" dirty="0" err="1" smtClean="0"/>
-              <a:t>PySpark</a:t>
-            </a:r>
-            <a:endParaRPr lang="en-US" dirty="0"/>
-          </a:p>
-        </p:txBody>
-      </p:sp>
-      <p:sp>
-        <p:nvSpPr>
-          <p:cNvPr id="3" name="Subtitle 2"/>
-          <p:cNvSpPr>
-            <a:spLocks noGrp="1"/>
-          </p:cNvSpPr>
-          <p:nvPr>
-            <p:ph type="subTitle" idx="1"/>
-          </p:nvPr>
-        </p:nvSpPr>
-        <p:spPr/>
-        <p:txBody>
-          <a:bodyPr/>
-          <a:lstStyle/>
-          <a:p>
-            <a:r>
-              <a:rPr lang="en-US" dirty="0" smtClean="0"/>
-              <a:t>John Hogue</a:t>
-            </a:r>
-            <a:endParaRPr lang="en-US" dirty="0"/>
-          </a:p>
-        </p:txBody>
-      </p:sp>
+        <p:spPr>
+          <a:xfrm>
+            <a:off x="1524000" y="742279"/>
+            <a:ext cx="9144000" cy="5852160"/>
+          </a:xfrm>
+        </p:spPr>
+        <p:txBody>
+          <a:bodyPr anchor="t"/>
+          <a:lstStyle/>
+          <a:p>
+            <a:r>
+              <a:rPr lang="en-US" dirty="0" smtClean="0"/>
+              <a:t>Natural Language Processing</a:t>
+            </a:r>
+            <a:br>
+              <a:rPr lang="en-US" dirty="0" smtClean="0"/>
+            </a:br>
+            <a:r>
+              <a:rPr lang="en-US" dirty="0" smtClean="0"/>
+              <a:t/>
+            </a:r>
+            <a:br>
+              <a:rPr lang="en-US" dirty="0" smtClean="0"/>
+            </a:br>
+            <a:r>
+              <a:rPr lang="en-US" dirty="0" smtClean="0"/>
+              <a:t>with</a:t>
+            </a:r>
+            <a:br>
+              <a:rPr lang="en-US" dirty="0" smtClean="0"/>
+            </a:br>
+            <a:r>
+              <a:rPr lang="en-US" dirty="0"/>
+              <a:t/>
+            </a:r>
+            <a:br>
+              <a:rPr lang="en-US" dirty="0"/>
+            </a:br>
+            <a:r>
+              <a:rPr lang="en-US" dirty="0" smtClean="0"/>
+              <a:t/>
+            </a:r>
+            <a:br>
+              <a:rPr lang="en-US" dirty="0" smtClean="0"/>
+            </a:br>
+            <a:endParaRPr lang="en-US" b="1" dirty="0">
+              <a:latin typeface="Syncopate" charset="0"/>
+              <a:ea typeface="Syncopate" charset="0"/>
+              <a:cs typeface="Syncopate" charset="0"/>
+            </a:endParaRPr>
+          </a:p>
+        </p:txBody>
+      </p:sp>
+      <p:pic>
+        <p:nvPicPr>
+          <p:cNvPr id="7" name="Picture 6"/>
+          <p:cNvPicPr>
+            <a:picLocks noChangeAspect="1"/>
+          </p:cNvPicPr>
+          <p:nvPr/>
+        </p:nvPicPr>
+        <p:blipFill rotWithShape="1">
+          <a:blip r:embed="rId2">
+            <a:extLst>
+              <a:ext uri="{28A0092B-C50C-407E-A947-70E740481C1C}">
+                <a14:useLocalDpi xmlns:a14="http://schemas.microsoft.com/office/drawing/2010/main" val="0"/>
+              </a:ext>
+            </a:extLst>
+          </a:blip>
+          <a:srcRect l="12134" t="10684" r="44908" b="25854"/>
+          <a:stretch/>
+        </p:blipFill>
+        <p:spPr>
+          <a:xfrm>
+            <a:off x="2614108" y="3818966"/>
+            <a:ext cx="3514165" cy="1753496"/>
+          </a:xfrm>
+          <a:prstGeom prst="rect">
+            <a:avLst/>
+          </a:prstGeom>
+        </p:spPr>
+      </p:pic>
+      <p:pic>
+        <p:nvPicPr>
+          <p:cNvPr id="8" name="Picture 7"/>
+          <p:cNvPicPr>
+            <a:picLocks noChangeAspect="1"/>
+          </p:cNvPicPr>
+          <p:nvPr/>
+        </p:nvPicPr>
+        <p:blipFill>
+          <a:blip r:embed="rId3">
+            <a:extLst>
+              <a:ext uri="{28A0092B-C50C-407E-A947-70E740481C1C}">
+                <a14:useLocalDpi xmlns:a14="http://schemas.microsoft.com/office/drawing/2010/main" val="0"/>
+              </a:ext>
+            </a:extLst>
+          </a:blip>
+          <a:stretch>
+            <a:fillRect/>
+          </a:stretch>
+        </p:blipFill>
+        <p:spPr>
+          <a:xfrm>
+            <a:off x="6085241" y="3248811"/>
+            <a:ext cx="3867183" cy="2053504"/>
+          </a:xfrm>
+          <a:prstGeom prst="rect">
+            <a:avLst/>
+          </a:prstGeom>
+        </p:spPr>
+      </p:pic>
     </p:spTree>
     <p:extLst>
       <p:ext uri="{BB962C8B-B14F-4D97-AF65-F5344CB8AC3E}">
@@ -3078,7 +3717,11 @@
           <a:p>
             <a:r>
               <a:rPr lang="en-US" dirty="0" smtClean="0"/>
-              <a:t>Text Data Transformation</a:t>
+              <a:t>Why </a:t>
+            </a:r>
+            <a:r>
+              <a:rPr lang="en-US" dirty="0" err="1" smtClean="0"/>
+              <a:t>PySpark</a:t>
             </a:r>
             <a:endParaRPr lang="en-US" dirty="0"/>
           </a:p>
@@ -3099,14 +3742,119 @@
           <a:bodyPr/>
           <a:lstStyle/>
           <a:p>
-            <a:endParaRPr lang="en-US"/>
-          </a:p>
-        </p:txBody>
-      </p:sp>
+            <a:r>
+              <a:rPr lang="en-US" dirty="0" smtClean="0"/>
+              <a:t>Access to great libraries</a:t>
+            </a:r>
+          </a:p>
+          <a:p>
+            <a:pPr lvl="1"/>
+            <a:r>
+              <a:rPr lang="en-US" dirty="0" smtClean="0"/>
+              <a:t>NLTK</a:t>
+            </a:r>
+          </a:p>
+          <a:p>
+            <a:pPr lvl="1"/>
+            <a:endParaRPr lang="en-US" dirty="0"/>
+          </a:p>
+          <a:p>
+            <a:r>
+              <a:rPr lang="en-US" dirty="0" smtClean="0"/>
+              <a:t>“First Class” language on Spark</a:t>
+            </a:r>
+          </a:p>
+          <a:p>
+            <a:pPr lvl="1"/>
+            <a:r>
+              <a:rPr lang="en-US" dirty="0" smtClean="0"/>
+              <a:t>Scala implementation first, Python follows</a:t>
+            </a:r>
+          </a:p>
+          <a:p>
+            <a:pPr lvl="1"/>
+            <a:endParaRPr lang="en-US" dirty="0"/>
+          </a:p>
+          <a:p>
+            <a:r>
+              <a:rPr lang="en-US" dirty="0" smtClean="0"/>
+              <a:t>When data </a:t>
+            </a:r>
+            <a:r>
+              <a:rPr lang="en-US" dirty="0" err="1" smtClean="0"/>
+              <a:t>munging</a:t>
+            </a:r>
+            <a:r>
+              <a:rPr lang="en-US" dirty="0" smtClean="0"/>
+              <a:t> less verbose is better</a:t>
+            </a:r>
+            <a:endParaRPr lang="en-US" dirty="0"/>
+          </a:p>
+        </p:txBody>
+      </p:sp>
+      <p:pic>
+        <p:nvPicPr>
+          <p:cNvPr id="4" name="Picture 3"/>
+          <p:cNvPicPr>
+            <a:picLocks noChangeAspect="1"/>
+          </p:cNvPicPr>
+          <p:nvPr/>
+        </p:nvPicPr>
+        <p:blipFill rotWithShape="1">
+          <a:blip r:embed="rId3">
+            <a:extLst>
+              <a:ext uri="{28A0092B-C50C-407E-A947-70E740481C1C}">
+                <a14:useLocalDpi xmlns:a14="http://schemas.microsoft.com/office/drawing/2010/main" val="0"/>
+              </a:ext>
+            </a:extLst>
+          </a:blip>
+          <a:srcRect l="12134" t="10684" r="44908" b="25854"/>
+          <a:stretch/>
+        </p:blipFill>
+        <p:spPr>
+          <a:xfrm>
+            <a:off x="7247651" y="5589679"/>
+            <a:ext cx="2353941" cy="1174568"/>
+          </a:xfrm>
+          <a:prstGeom prst="rect">
+            <a:avLst/>
+          </a:prstGeom>
+        </p:spPr>
+      </p:pic>
+      <p:pic>
+        <p:nvPicPr>
+          <p:cNvPr id="5" name="Picture 4"/>
+          <p:cNvPicPr>
+            <a:picLocks noChangeAspect="1"/>
+          </p:cNvPicPr>
+          <p:nvPr/>
+        </p:nvPicPr>
+        <p:blipFill>
+          <a:blip r:embed="rId4">
+            <a:extLst>
+              <a:ext uri="{28A0092B-C50C-407E-A947-70E740481C1C}">
+                <a14:useLocalDpi xmlns:a14="http://schemas.microsoft.com/office/drawing/2010/main" val="0"/>
+              </a:ext>
+            </a:extLst>
+          </a:blip>
+          <a:stretch>
+            <a:fillRect/>
+          </a:stretch>
+        </p:blipFill>
+        <p:spPr>
+          <a:xfrm>
+            <a:off x="9601592" y="5212325"/>
+            <a:ext cx="2590408" cy="1375527"/>
+          </a:xfrm>
+          <a:prstGeom prst="rect">
+            <a:avLst/>
+          </a:prstGeom>
+        </p:spPr>
+      </p:pic>
     </p:spTree>
     <p:extLst>
       <p:ext uri="{BB962C8B-B14F-4D97-AF65-F5344CB8AC3E}">
-        <p14:creationId xmlns:p14="http://schemas.microsoft.com/office/powerpoint/2010/main" val="1696564481"/>
+        <p14:creationId xmlns:p14="http://schemas.microsoft.com/office/powerpoint/2010/main" val="442844926"/>
       </p:ext>
     </p:extLst>
   </p:cSld>
@@ -3150,7 +3898,7 @@
           <a:p>
             <a:r>
               <a:rPr lang="en-US" dirty="0" smtClean="0"/>
-              <a:t>Text Clean up</a:t>
+              <a:t>Picking a ML Algorithm</a:t>
             </a:r>
             <a:endParaRPr lang="en-US" dirty="0"/>
           </a:p>
@@ -3178,7 +3926,7 @@
     </p:spTree>
     <p:extLst>
       <p:ext uri="{BB962C8B-B14F-4D97-AF65-F5344CB8AC3E}">
-        <p14:creationId xmlns:p14="http://schemas.microsoft.com/office/powerpoint/2010/main" val="159121265"/>
+        <p14:creationId xmlns:p14="http://schemas.microsoft.com/office/powerpoint/2010/main" val="1671231091"/>
       </p:ext>
     </p:extLst>
   </p:cSld>
@@ -3221,8 +3969,8 @@
           <a:lstStyle/>
           <a:p>
             <a:r>
-              <a:rPr lang="en-US" dirty="0" err="1" smtClean="0"/>
-              <a:t>Featurization</a:t>
+              <a:rPr lang="en-US" dirty="0" smtClean="0"/>
+              <a:t>Data Pipelining</a:t>
             </a:r>
             <a:endParaRPr lang="en-US" dirty="0"/>
           </a:p>
@@ -3250,7 +3998,7 @@
     </p:spTree>
     <p:extLst>
       <p:ext uri="{BB962C8B-B14F-4D97-AF65-F5344CB8AC3E}">
-        <p14:creationId xmlns:p14="http://schemas.microsoft.com/office/powerpoint/2010/main" val="806345583"/>
+        <p14:creationId xmlns:p14="http://schemas.microsoft.com/office/powerpoint/2010/main" val="842136250"/>
       </p:ext>
     </p:extLst>
   </p:cSld>
@@ -3294,7 +4042,11 @@
           <a:p>
             <a:r>
               <a:rPr lang="en-US" dirty="0" smtClean="0"/>
-              <a:t>Training</a:t>
+              <a:t>Accessing Hive in </a:t>
+            </a:r>
+            <a:r>
+              <a:rPr lang="en-US" dirty="0" err="1" smtClean="0"/>
+              <a:t>Pyspark</a:t>
             </a:r>
             <a:endParaRPr lang="en-US" dirty="0"/>
           </a:p>
@@ -3322,7 +4074,7 @@
     </p:spTree>
     <p:extLst>
       <p:ext uri="{BB962C8B-B14F-4D97-AF65-F5344CB8AC3E}">
-        <p14:creationId xmlns:p14="http://schemas.microsoft.com/office/powerpoint/2010/main" val="1534273161"/>
+        <p14:creationId xmlns:p14="http://schemas.microsoft.com/office/powerpoint/2010/main" val="1928593594"/>
       </p:ext>
     </p:extLst>
   </p:cSld>
@@ -3366,7 +4118,11 @@
           <a:p>
             <a:r>
               <a:rPr lang="en-US" dirty="0" smtClean="0"/>
-              <a:t>Evaluating</a:t>
+              <a:t>Accessing Other Python Libraries In </a:t>
+            </a:r>
+            <a:r>
+              <a:rPr lang="en-US" dirty="0" err="1" smtClean="0"/>
+              <a:t>Pyspark</a:t>
             </a:r>
             <a:endParaRPr lang="en-US" dirty="0"/>
           </a:p>
@@ -3387,14 +4143,14 @@
           <a:bodyPr/>
           <a:lstStyle/>
           <a:p>
-            <a:endParaRPr lang="en-US"/>
+            <a:endParaRPr lang="en-US" dirty="0"/>
           </a:p>
         </p:txBody>
       </p:sp>
     </p:spTree>
     <p:extLst>
       <p:ext uri="{BB962C8B-B14F-4D97-AF65-F5344CB8AC3E}">
-        <p14:creationId xmlns:p14="http://schemas.microsoft.com/office/powerpoint/2010/main" val="41613221"/>
+        <p14:creationId xmlns:p14="http://schemas.microsoft.com/office/powerpoint/2010/main" val="169461819"/>
       </p:ext>
     </p:extLst>
   </p:cSld>
@@ -3438,7 +4194,7 @@
           <a:p>
             <a:r>
               <a:rPr lang="en-US" dirty="0" smtClean="0"/>
-              <a:t>Saving Data &amp; Model</a:t>
+              <a:t>Text Data Transformation</a:t>
             </a:r>
             <a:endParaRPr lang="en-US" dirty="0"/>
           </a:p>
@@ -3466,7 +4222,7 @@
     </p:spTree>
     <p:extLst>
       <p:ext uri="{BB962C8B-B14F-4D97-AF65-F5344CB8AC3E}">
-        <p14:creationId xmlns:p14="http://schemas.microsoft.com/office/powerpoint/2010/main" val="580420749"/>
+        <p14:creationId xmlns:p14="http://schemas.microsoft.com/office/powerpoint/2010/main" val="1696564481"/>
       </p:ext>
     </p:extLst>
   </p:cSld>
@@ -3510,7 +4266,7 @@
           <a:p>
             <a:r>
               <a:rPr lang="en-US" dirty="0" smtClean="0"/>
-              <a:t>Next Steps? LDA?</a:t>
+              <a:t>Text Clean up</a:t>
             </a:r>
             <a:endParaRPr lang="en-US" dirty="0"/>
           </a:p>
@@ -3538,7 +4294,7 @@
     </p:spTree>
     <p:extLst>
       <p:ext uri="{BB962C8B-B14F-4D97-AF65-F5344CB8AC3E}">
-        <p14:creationId xmlns:p14="http://schemas.microsoft.com/office/powerpoint/2010/main" val="605337029"/>
+        <p14:creationId xmlns:p14="http://schemas.microsoft.com/office/powerpoint/2010/main" val="159121265"/>
       </p:ext>
     </p:extLst>
   </p:cSld>
@@ -3581,8 +4337,8 @@
           <a:lstStyle/>
           <a:p>
             <a:r>
-              <a:rPr lang="en-US" dirty="0" smtClean="0"/>
-              <a:t>Visualizing Data</a:t>
+              <a:rPr lang="en-US" dirty="0" err="1" smtClean="0"/>
+              <a:t>Featurization</a:t>
             </a:r>
             <a:endParaRPr lang="en-US" dirty="0"/>
           </a:p>
@@ -3610,7 +4366,7 @@
     </p:spTree>
     <p:extLst>
       <p:ext uri="{BB962C8B-B14F-4D97-AF65-F5344CB8AC3E}">
-        <p14:creationId xmlns:p14="http://schemas.microsoft.com/office/powerpoint/2010/main" val="1011890341"/>
+        <p14:creationId xmlns:p14="http://schemas.microsoft.com/office/powerpoint/2010/main" val="806345583"/>
       </p:ext>
     </p:extLst>
   </p:cSld>
@@ -3654,7 +4410,7 @@
           <a:p>
             <a:r>
               <a:rPr lang="en-US" dirty="0" smtClean="0"/>
-              <a:t>Where to go from here?</a:t>
+              <a:t>Training</a:t>
             </a:r>
             <a:endParaRPr lang="en-US" dirty="0"/>
           </a:p>
@@ -3675,18 +4431,86 @@
           <a:bodyPr/>
           <a:lstStyle/>
           <a:p>
-            <a:r>
-              <a:rPr lang="en-US" dirty="0" err="1" smtClean="0"/>
-              <a:t>github</a:t>
-            </a:r>
-            <a:endParaRPr lang="en-US" dirty="0"/>
+            <a:endParaRPr lang="en-US"/>
           </a:p>
         </p:txBody>
       </p:sp>
     </p:spTree>
     <p:extLst>
       <p:ext uri="{BB962C8B-B14F-4D97-AF65-F5344CB8AC3E}">
-        <p14:creationId xmlns:p14="http://schemas.microsoft.com/office/powerpoint/2010/main" val="1895807171"/>
+        <p14:creationId xmlns:p14="http://schemas.microsoft.com/office/powerpoint/2010/main" val="1534273161"/>
+      </p:ext>
+    </p:extLst>
+  </p:cSld>
+  <p:clrMapOvr>
+    <a:masterClrMapping/>
+  </p:clrMapOvr>
+</p:sld>
+</file>
+
+<file path=ppt/slides/slide19.xml><?xml version="1.0" encoding="utf-8"?>
+<p:sld xmlns:a="http://schemas.openxmlformats.org/drawingml/2006/main" xmlns:r="http://schemas.openxmlformats.org/officeDocument/2006/relationships" xmlns:p="http://schemas.openxmlformats.org/presentationml/2006/main">
+  <p:cSld>
+    <p:spTree>
+      <p:nvGrpSpPr>
+        <p:cNvPr id="1" name=""/>
+        <p:cNvGrpSpPr/>
+        <p:nvPr/>
+      </p:nvGrpSpPr>
+      <p:grpSpPr>
+        <a:xfrm>
+          <a:off x="0" y="0"/>
+          <a:ext cx="0" cy="0"/>
+          <a:chOff x="0" y="0"/>
+          <a:chExt cx="0" cy="0"/>
+        </a:xfrm>
+      </p:grpSpPr>
+      <p:sp>
+        <p:nvSpPr>
+          <p:cNvPr id="2" name="Title 1"/>
+          <p:cNvSpPr>
+            <a:spLocks noGrp="1"/>
+          </p:cNvSpPr>
+          <p:nvPr>
+            <p:ph type="title"/>
+          </p:nvPr>
+        </p:nvSpPr>
+        <p:spPr/>
+        <p:txBody>
+          <a:bodyPr/>
+          <a:lstStyle/>
+          <a:p>
+            <a:r>
+              <a:rPr lang="en-US" dirty="0" smtClean="0"/>
+              <a:t>Evaluating</a:t>
+            </a:r>
+            <a:endParaRPr lang="en-US" dirty="0"/>
+          </a:p>
+        </p:txBody>
+      </p:sp>
+      <p:sp>
+        <p:nvSpPr>
+          <p:cNvPr id="3" name="Content Placeholder 2"/>
+          <p:cNvSpPr>
+            <a:spLocks noGrp="1"/>
+          </p:cNvSpPr>
+          <p:nvPr>
+            <p:ph idx="1"/>
+          </p:nvPr>
+        </p:nvSpPr>
+        <p:spPr/>
+        <p:txBody>
+          <a:bodyPr/>
+          <a:lstStyle/>
+          <a:p>
+            <a:endParaRPr lang="en-US"/>
+          </a:p>
+        </p:txBody>
+      </p:sp>
+    </p:spTree>
+    <p:extLst>
+      <p:ext uri="{BB962C8B-B14F-4D97-AF65-F5344CB8AC3E}">
+        <p14:creationId xmlns:p14="http://schemas.microsoft.com/office/powerpoint/2010/main" val="41613221"/>
       </p:ext>
     </p:extLst>
   </p:cSld>
@@ -3746,19 +4570,485 @@
             <p:ph idx="1"/>
           </p:nvPr>
         </p:nvSpPr>
-        <p:spPr/>
-        <p:txBody>
-          <a:bodyPr/>
-          <a:lstStyle/>
-          <a:p>
-            <a:endParaRPr lang="en-US"/>
-          </a:p>
-        </p:txBody>
-      </p:sp>
+        <p:spPr>
+          <a:xfrm>
+            <a:off x="1830704" y="1825624"/>
+            <a:ext cx="9523096" cy="5032375"/>
+          </a:xfrm>
+        </p:spPr>
+        <p:txBody>
+          <a:bodyPr>
+            <a:normAutofit/>
+          </a:bodyPr>
+          <a:lstStyle/>
+          <a:p>
+            <a:r>
+              <a:rPr lang="en-US" dirty="0" smtClean="0"/>
+              <a:t>Data Scientist at General Mills</a:t>
+            </a:r>
+          </a:p>
+          <a:p>
+            <a:pPr lvl="1"/>
+            <a:r>
+              <a:rPr lang="en-US" dirty="0" smtClean="0"/>
+              <a:t>Supporting Marketing</a:t>
+            </a:r>
+          </a:p>
+          <a:p>
+            <a:pPr lvl="1"/>
+            <a:endParaRPr lang="en-US" dirty="0" smtClean="0"/>
+          </a:p>
+          <a:p>
+            <a:pPr lvl="1"/>
+            <a:endParaRPr lang="en-US" dirty="0"/>
+          </a:p>
+          <a:p>
+            <a:r>
+              <a:rPr lang="en-US" dirty="0" smtClean="0"/>
+              <a:t>Founder of Social Data Science</a:t>
+            </a:r>
+          </a:p>
+          <a:p>
+            <a:pPr lvl="1"/>
+            <a:r>
+              <a:rPr lang="en-US" dirty="0" smtClean="0"/>
+              <a:t>Crowd Sourced Data Science for Nonprofits</a:t>
+            </a:r>
+          </a:p>
+          <a:p>
+            <a:pPr lvl="1"/>
+            <a:endParaRPr lang="en-US" dirty="0"/>
+          </a:p>
+          <a:p>
+            <a:pPr lvl="1"/>
+            <a:endParaRPr lang="en-US" dirty="0" smtClean="0"/>
+          </a:p>
+          <a:p>
+            <a:pPr lvl="1"/>
+            <a:endParaRPr lang="en-US" dirty="0"/>
+          </a:p>
+          <a:p>
+            <a:pPr lvl="1"/>
+            <a:r>
+              <a:rPr lang="en-US" dirty="0" smtClean="0"/>
+              <a:t>https</a:t>
+            </a:r>
+            <a:r>
+              <a:rPr lang="en-US" dirty="0"/>
+              <a:t>://</a:t>
+            </a:r>
+            <a:r>
+              <a:rPr lang="en-US" dirty="0" smtClean="0"/>
+              <a:t>www.linkedin.com/in/johnhogue</a:t>
+            </a:r>
+          </a:p>
+          <a:p>
+            <a:pPr lvl="1"/>
+            <a:r>
+              <a:rPr lang="en-US" dirty="0"/>
+              <a:t>https://</a:t>
+            </a:r>
+            <a:r>
+              <a:rPr lang="en-US" dirty="0" smtClean="0"/>
+              <a:t>github.com/dreyco676</a:t>
+            </a:r>
+          </a:p>
+          <a:p>
+            <a:pPr lvl="1"/>
+            <a:r>
+              <a:rPr lang="en-US" dirty="0" smtClean="0"/>
+              <a:t>@dreyco676</a:t>
+            </a:r>
+          </a:p>
+          <a:p>
+            <a:endParaRPr lang="en-US" dirty="0"/>
+          </a:p>
+        </p:txBody>
+      </p:sp>
+      <p:pic>
+        <p:nvPicPr>
+          <p:cNvPr id="4" name="Picture 3"/>
+          <p:cNvPicPr>
+            <a:picLocks noChangeAspect="1"/>
+          </p:cNvPicPr>
+          <p:nvPr/>
+        </p:nvPicPr>
+        <p:blipFill rotWithShape="1">
+          <a:blip r:embed="rId2">
+            <a:extLst>
+              <a:ext uri="{28A0092B-C50C-407E-A947-70E740481C1C}">
+                <a14:useLocalDpi xmlns:a14="http://schemas.microsoft.com/office/drawing/2010/main" val="0"/>
+              </a:ext>
+            </a:extLst>
+          </a:blip>
+          <a:srcRect l="20418" r="24680"/>
+          <a:stretch/>
+        </p:blipFill>
+        <p:spPr>
+          <a:xfrm>
+            <a:off x="8426823" y="0"/>
+            <a:ext cx="3765177" cy="6858000"/>
+          </a:xfrm>
+          <a:prstGeom prst="rect">
+            <a:avLst/>
+          </a:prstGeom>
+        </p:spPr>
+      </p:pic>
+      <p:pic>
+        <p:nvPicPr>
+          <p:cNvPr id="5" name="Picture 4"/>
+          <p:cNvPicPr>
+            <a:picLocks noChangeAspect="1"/>
+          </p:cNvPicPr>
+          <p:nvPr/>
+        </p:nvPicPr>
+        <p:blipFill rotWithShape="1">
+          <a:blip r:embed="rId3">
+            <a:extLst>
+              <a:ext uri="{28A0092B-C50C-407E-A947-70E740481C1C}">
+                <a14:useLocalDpi xmlns:a14="http://schemas.microsoft.com/office/drawing/2010/main" val="0"/>
+              </a:ext>
+            </a:extLst>
+          </a:blip>
+          <a:srcRect r="8351"/>
+          <a:stretch/>
+        </p:blipFill>
+        <p:spPr>
+          <a:xfrm>
+            <a:off x="642654" y="3429000"/>
+            <a:ext cx="1421250" cy="1401280"/>
+          </a:xfrm>
+          <a:prstGeom prst="rect">
+            <a:avLst/>
+          </a:prstGeom>
+        </p:spPr>
+      </p:pic>
+      <p:pic>
+        <p:nvPicPr>
+          <p:cNvPr id="6" name="Picture 5"/>
+          <p:cNvPicPr>
+            <a:picLocks noChangeAspect="1"/>
+          </p:cNvPicPr>
+          <p:nvPr/>
+        </p:nvPicPr>
+        <p:blipFill>
+          <a:blip r:embed="rId4">
+            <a:extLst>
+              <a:ext uri="{28A0092B-C50C-407E-A947-70E740481C1C}">
+                <a14:useLocalDpi xmlns:a14="http://schemas.microsoft.com/office/drawing/2010/main" val="0"/>
+              </a:ext>
+            </a:extLst>
+          </a:blip>
+          <a:stretch>
+            <a:fillRect/>
+          </a:stretch>
+        </p:blipFill>
+        <p:spPr>
+          <a:xfrm>
+            <a:off x="642654" y="1690688"/>
+            <a:ext cx="1605690" cy="1376306"/>
+          </a:xfrm>
+          <a:prstGeom prst="rect">
+            <a:avLst/>
+          </a:prstGeom>
+        </p:spPr>
+      </p:pic>
     </p:spTree>
     <p:extLst>
       <p:ext uri="{BB962C8B-B14F-4D97-AF65-F5344CB8AC3E}">
         <p14:creationId xmlns:p14="http://schemas.microsoft.com/office/powerpoint/2010/main" val="1345886049"/>
+      </p:ext>
+    </p:extLst>
+  </p:cSld>
+  <p:clrMapOvr>
+    <a:masterClrMapping/>
+  </p:clrMapOvr>
+</p:sld>
+</file>
+
+<file path=ppt/slides/slide20.xml><?xml version="1.0" encoding="utf-8"?>
+<p:sld xmlns:a="http://schemas.openxmlformats.org/drawingml/2006/main" xmlns:r="http://schemas.openxmlformats.org/officeDocument/2006/relationships" xmlns:p="http://schemas.openxmlformats.org/presentationml/2006/main">
+  <p:cSld>
+    <p:spTree>
+      <p:nvGrpSpPr>
+        <p:cNvPr id="1" name=""/>
+        <p:cNvGrpSpPr/>
+        <p:nvPr/>
+      </p:nvGrpSpPr>
+      <p:grpSpPr>
+        <a:xfrm>
+          <a:off x="0" y="0"/>
+          <a:ext cx="0" cy="0"/>
+          <a:chOff x="0" y="0"/>
+          <a:chExt cx="0" cy="0"/>
+        </a:xfrm>
+      </p:grpSpPr>
+      <p:sp>
+        <p:nvSpPr>
+          <p:cNvPr id="2" name="Title 1"/>
+          <p:cNvSpPr>
+            <a:spLocks noGrp="1"/>
+          </p:cNvSpPr>
+          <p:nvPr>
+            <p:ph type="title"/>
+          </p:nvPr>
+        </p:nvSpPr>
+        <p:spPr/>
+        <p:txBody>
+          <a:bodyPr/>
+          <a:lstStyle/>
+          <a:p>
+            <a:r>
+              <a:rPr lang="en-US" dirty="0" smtClean="0"/>
+              <a:t>Saving Data &amp; Model</a:t>
+            </a:r>
+            <a:endParaRPr lang="en-US" dirty="0"/>
+          </a:p>
+        </p:txBody>
+      </p:sp>
+      <p:sp>
+        <p:nvSpPr>
+          <p:cNvPr id="3" name="Content Placeholder 2"/>
+          <p:cNvSpPr>
+            <a:spLocks noGrp="1"/>
+          </p:cNvSpPr>
+          <p:nvPr>
+            <p:ph idx="1"/>
+          </p:nvPr>
+        </p:nvSpPr>
+        <p:spPr/>
+        <p:txBody>
+          <a:bodyPr/>
+          <a:lstStyle/>
+          <a:p>
+            <a:endParaRPr lang="en-US"/>
+          </a:p>
+        </p:txBody>
+      </p:sp>
+    </p:spTree>
+    <p:extLst>
+      <p:ext uri="{BB962C8B-B14F-4D97-AF65-F5344CB8AC3E}">
+        <p14:creationId xmlns:p14="http://schemas.microsoft.com/office/powerpoint/2010/main" val="580420749"/>
+      </p:ext>
+    </p:extLst>
+  </p:cSld>
+  <p:clrMapOvr>
+    <a:masterClrMapping/>
+  </p:clrMapOvr>
+</p:sld>
+</file>
+
+<file path=ppt/slides/slide21.xml><?xml version="1.0" encoding="utf-8"?>
+<p:sld xmlns:a="http://schemas.openxmlformats.org/drawingml/2006/main" xmlns:r="http://schemas.openxmlformats.org/officeDocument/2006/relationships" xmlns:p="http://schemas.openxmlformats.org/presentationml/2006/main">
+  <p:cSld>
+    <p:spTree>
+      <p:nvGrpSpPr>
+        <p:cNvPr id="1" name=""/>
+        <p:cNvGrpSpPr/>
+        <p:nvPr/>
+      </p:nvGrpSpPr>
+      <p:grpSpPr>
+        <a:xfrm>
+          <a:off x="0" y="0"/>
+          <a:ext cx="0" cy="0"/>
+          <a:chOff x="0" y="0"/>
+          <a:chExt cx="0" cy="0"/>
+        </a:xfrm>
+      </p:grpSpPr>
+      <p:sp>
+        <p:nvSpPr>
+          <p:cNvPr id="2" name="Title 1"/>
+          <p:cNvSpPr>
+            <a:spLocks noGrp="1"/>
+          </p:cNvSpPr>
+          <p:nvPr>
+            <p:ph type="title"/>
+          </p:nvPr>
+        </p:nvSpPr>
+        <p:spPr/>
+        <p:txBody>
+          <a:bodyPr/>
+          <a:lstStyle/>
+          <a:p>
+            <a:r>
+              <a:rPr lang="en-US" dirty="0" smtClean="0"/>
+              <a:t>Next Steps? LDA?</a:t>
+            </a:r>
+            <a:endParaRPr lang="en-US" dirty="0"/>
+          </a:p>
+        </p:txBody>
+      </p:sp>
+      <p:sp>
+        <p:nvSpPr>
+          <p:cNvPr id="3" name="Content Placeholder 2"/>
+          <p:cNvSpPr>
+            <a:spLocks noGrp="1"/>
+          </p:cNvSpPr>
+          <p:nvPr>
+            <p:ph idx="1"/>
+          </p:nvPr>
+        </p:nvSpPr>
+        <p:spPr/>
+        <p:txBody>
+          <a:bodyPr/>
+          <a:lstStyle/>
+          <a:p>
+            <a:endParaRPr lang="en-US"/>
+          </a:p>
+        </p:txBody>
+      </p:sp>
+    </p:spTree>
+    <p:extLst>
+      <p:ext uri="{BB962C8B-B14F-4D97-AF65-F5344CB8AC3E}">
+        <p14:creationId xmlns:p14="http://schemas.microsoft.com/office/powerpoint/2010/main" val="605337029"/>
+      </p:ext>
+    </p:extLst>
+  </p:cSld>
+  <p:clrMapOvr>
+    <a:masterClrMapping/>
+  </p:clrMapOvr>
+</p:sld>
+</file>
+
+<file path=ppt/slides/slide22.xml><?xml version="1.0" encoding="utf-8"?>
+<p:sld xmlns:a="http://schemas.openxmlformats.org/drawingml/2006/main" xmlns:r="http://schemas.openxmlformats.org/officeDocument/2006/relationships" xmlns:p="http://schemas.openxmlformats.org/presentationml/2006/main">
+  <p:cSld>
+    <p:spTree>
+      <p:nvGrpSpPr>
+        <p:cNvPr id="1" name=""/>
+        <p:cNvGrpSpPr/>
+        <p:nvPr/>
+      </p:nvGrpSpPr>
+      <p:grpSpPr>
+        <a:xfrm>
+          <a:off x="0" y="0"/>
+          <a:ext cx="0" cy="0"/>
+          <a:chOff x="0" y="0"/>
+          <a:chExt cx="0" cy="0"/>
+        </a:xfrm>
+      </p:grpSpPr>
+      <p:sp>
+        <p:nvSpPr>
+          <p:cNvPr id="2" name="Title 1"/>
+          <p:cNvSpPr>
+            <a:spLocks noGrp="1"/>
+          </p:cNvSpPr>
+          <p:nvPr>
+            <p:ph type="title"/>
+          </p:nvPr>
+        </p:nvSpPr>
+        <p:spPr/>
+        <p:txBody>
+          <a:bodyPr/>
+          <a:lstStyle/>
+          <a:p>
+            <a:r>
+              <a:rPr lang="en-US" dirty="0" smtClean="0"/>
+              <a:t>Visualizing Data</a:t>
+            </a:r>
+            <a:endParaRPr lang="en-US" dirty="0"/>
+          </a:p>
+        </p:txBody>
+      </p:sp>
+      <p:sp>
+        <p:nvSpPr>
+          <p:cNvPr id="3" name="Content Placeholder 2"/>
+          <p:cNvSpPr>
+            <a:spLocks noGrp="1"/>
+          </p:cNvSpPr>
+          <p:nvPr>
+            <p:ph idx="1"/>
+          </p:nvPr>
+        </p:nvSpPr>
+        <p:spPr/>
+        <p:txBody>
+          <a:bodyPr/>
+          <a:lstStyle/>
+          <a:p>
+            <a:endParaRPr lang="en-US"/>
+          </a:p>
+        </p:txBody>
+      </p:sp>
+    </p:spTree>
+    <p:extLst>
+      <p:ext uri="{BB962C8B-B14F-4D97-AF65-F5344CB8AC3E}">
+        <p14:creationId xmlns:p14="http://schemas.microsoft.com/office/powerpoint/2010/main" val="1011890341"/>
+      </p:ext>
+    </p:extLst>
+  </p:cSld>
+  <p:clrMapOvr>
+    <a:masterClrMapping/>
+  </p:clrMapOvr>
+</p:sld>
+</file>
+
+<file path=ppt/slides/slide23.xml><?xml version="1.0" encoding="utf-8"?>
+<p:sld xmlns:a="http://schemas.openxmlformats.org/drawingml/2006/main" xmlns:r="http://schemas.openxmlformats.org/officeDocument/2006/relationships" xmlns:p="http://schemas.openxmlformats.org/presentationml/2006/main">
+  <p:cSld>
+    <p:spTree>
+      <p:nvGrpSpPr>
+        <p:cNvPr id="1" name=""/>
+        <p:cNvGrpSpPr/>
+        <p:nvPr/>
+      </p:nvGrpSpPr>
+      <p:grpSpPr>
+        <a:xfrm>
+          <a:off x="0" y="0"/>
+          <a:ext cx="0" cy="0"/>
+          <a:chOff x="0" y="0"/>
+          <a:chExt cx="0" cy="0"/>
+        </a:xfrm>
+      </p:grpSpPr>
+      <p:sp>
+        <p:nvSpPr>
+          <p:cNvPr id="2" name="Title 1"/>
+          <p:cNvSpPr>
+            <a:spLocks noGrp="1"/>
+          </p:cNvSpPr>
+          <p:nvPr>
+            <p:ph type="title"/>
+          </p:nvPr>
+        </p:nvSpPr>
+        <p:spPr/>
+        <p:txBody>
+          <a:bodyPr/>
+          <a:lstStyle/>
+          <a:p>
+            <a:r>
+              <a:rPr lang="en-US" dirty="0" smtClean="0"/>
+              <a:t>Where to go from here?</a:t>
+            </a:r>
+            <a:endParaRPr lang="en-US" dirty="0"/>
+          </a:p>
+        </p:txBody>
+      </p:sp>
+      <p:sp>
+        <p:nvSpPr>
+          <p:cNvPr id="3" name="Content Placeholder 2"/>
+          <p:cNvSpPr>
+            <a:spLocks noGrp="1"/>
+          </p:cNvSpPr>
+          <p:nvPr>
+            <p:ph idx="1"/>
+          </p:nvPr>
+        </p:nvSpPr>
+        <p:spPr/>
+        <p:txBody>
+          <a:bodyPr/>
+          <a:lstStyle/>
+          <a:p>
+            <a:r>
+              <a:rPr lang="en-US" dirty="0" err="1" smtClean="0"/>
+              <a:t>github</a:t>
+            </a:r>
+            <a:endParaRPr lang="en-US" dirty="0"/>
+          </a:p>
+        </p:txBody>
+      </p:sp>
+    </p:spTree>
+    <p:extLst>
+      <p:ext uri="{BB962C8B-B14F-4D97-AF65-F5344CB8AC3E}">
+        <p14:creationId xmlns:p14="http://schemas.microsoft.com/office/powerpoint/2010/main" val="1895807171"/>
       </p:ext>
     </p:extLst>
   </p:cSld>
@@ -3802,7 +5092,7 @@
           <a:p>
             <a:r>
               <a:rPr lang="en-US" dirty="0" smtClean="0"/>
-              <a:t>What we are doing tonight</a:t>
+              <a:t>About Me (Caveats)</a:t>
             </a:r>
             <a:endParaRPr lang="en-US" dirty="0"/>
           </a:p>
@@ -3818,19 +5108,101 @@
             <p:ph idx="1"/>
           </p:nvPr>
         </p:nvSpPr>
-        <p:spPr/>
-        <p:txBody>
-          <a:bodyPr/>
-          <a:lstStyle/>
-          <a:p>
-            <a:endParaRPr lang="en-US"/>
-          </a:p>
-        </p:txBody>
-      </p:sp>
+        <p:spPr>
+          <a:xfrm>
+            <a:off x="838200" y="1825625"/>
+            <a:ext cx="5853056" cy="4351338"/>
+          </a:xfrm>
+        </p:spPr>
+        <p:txBody>
+          <a:bodyPr/>
+          <a:lstStyle/>
+          <a:p>
+            <a:r>
+              <a:rPr lang="en-US" dirty="0" smtClean="0"/>
+              <a:t>NLP is only a small part of my job</a:t>
+            </a:r>
+          </a:p>
+          <a:p>
+            <a:endParaRPr lang="en-US" dirty="0" smtClean="0"/>
+          </a:p>
+          <a:p>
+            <a:r>
+              <a:rPr lang="en-US" dirty="0" smtClean="0"/>
+              <a:t>Code written for readability</a:t>
+            </a:r>
+          </a:p>
+          <a:p>
+            <a:pPr lvl="1"/>
+            <a:r>
+              <a:rPr lang="en-US" dirty="0"/>
+              <a:t>N</a:t>
+            </a:r>
+            <a:r>
+              <a:rPr lang="en-US" dirty="0" smtClean="0"/>
+              <a:t>ot optimization</a:t>
+            </a:r>
+          </a:p>
+          <a:p>
+            <a:endParaRPr lang="en-US" dirty="0"/>
+          </a:p>
+          <a:p>
+            <a:r>
+              <a:rPr lang="en-US" dirty="0" smtClean="0"/>
+              <a:t>I don’t know everything </a:t>
+            </a:r>
+            <a:r>
+              <a:rPr lang="en-US" dirty="0" smtClean="0">
+                <a:sym typeface="Wingdings"/>
+              </a:rPr>
+              <a:t></a:t>
+            </a:r>
+          </a:p>
+          <a:p>
+            <a:pPr lvl="1"/>
+            <a:r>
+              <a:rPr lang="en-US" dirty="0" smtClean="0">
+                <a:sym typeface="Wingdings"/>
+              </a:rPr>
+              <a:t>But that’s ok</a:t>
+            </a:r>
+            <a:endParaRPr lang="en-US" dirty="0"/>
+          </a:p>
+        </p:txBody>
+      </p:sp>
+      <p:pic>
+        <p:nvPicPr>
+          <p:cNvPr id="7" name="Picture 6"/>
+          <p:cNvPicPr>
+            <a:picLocks noChangeAspect="1"/>
+          </p:cNvPicPr>
+          <p:nvPr/>
+        </p:nvPicPr>
+        <p:blipFill rotWithShape="1">
+          <a:blip r:embed="rId2">
+            <a:extLst>
+              <a:ext uri="{28A0092B-C50C-407E-A947-70E740481C1C}">
+                <a14:useLocalDpi xmlns:a14="http://schemas.microsoft.com/office/drawing/2010/main" val="0"/>
+              </a:ext>
+            </a:extLst>
+          </a:blip>
+          <a:srcRect l="422" t="23952"/>
+          <a:stretch/>
+        </p:blipFill>
+        <p:spPr>
+          <a:xfrm>
+            <a:off x="6691256" y="2657139"/>
+            <a:ext cx="5500744" cy="4200861"/>
+          </a:xfrm>
+          <a:prstGeom prst="rect">
+            <a:avLst/>
+          </a:prstGeom>
+        </p:spPr>
+      </p:pic>
     </p:spTree>
     <p:extLst>
       <p:ext uri="{BB962C8B-B14F-4D97-AF65-F5344CB8AC3E}">
-        <p14:creationId xmlns:p14="http://schemas.microsoft.com/office/powerpoint/2010/main" val="1602384925"/>
+        <p14:creationId xmlns:p14="http://schemas.microsoft.com/office/powerpoint/2010/main" val="209888118"/>
       </p:ext>
     </p:extLst>
   </p:cSld>
@@ -3874,11 +5246,7 @@
           <a:p>
             <a:r>
               <a:rPr lang="en-US" dirty="0" smtClean="0"/>
-              <a:t>Why </a:t>
-            </a:r>
-            <a:r>
-              <a:rPr lang="en-US" dirty="0" err="1" smtClean="0"/>
-              <a:t>PySpark</a:t>
+              <a:t>Agenda</a:t>
             </a:r>
             <a:endParaRPr lang="en-US" dirty="0"/>
           </a:p>
@@ -3899,14 +5267,138 @@
           <a:bodyPr/>
           <a:lstStyle/>
           <a:p>
-            <a:endParaRPr lang="en-US"/>
+            <a:r>
+              <a:rPr lang="en-US" dirty="0" smtClean="0"/>
+              <a:t>What is NLP?</a:t>
+            </a:r>
+          </a:p>
+          <a:p>
+            <a:r>
+              <a:rPr lang="en-US" dirty="0" smtClean="0"/>
+              <a:t>Why Spark?</a:t>
+            </a:r>
+          </a:p>
+          <a:p>
+            <a:r>
+              <a:rPr lang="en-US" dirty="0" smtClean="0"/>
+              <a:t>What is Spark ML?</a:t>
+            </a:r>
+          </a:p>
+          <a:p>
+            <a:r>
+              <a:rPr lang="en-US" dirty="0" smtClean="0"/>
+              <a:t>Which algorithm to use?</a:t>
+            </a:r>
+          </a:p>
+          <a:p>
+            <a:r>
+              <a:rPr lang="en-US" dirty="0" smtClean="0"/>
+              <a:t>How to prepare data for ML?</a:t>
+            </a:r>
+          </a:p>
+          <a:p>
+            <a:r>
+              <a:rPr lang="en-US" dirty="0" smtClean="0"/>
+              <a:t>How to measure accuracy?</a:t>
+            </a:r>
+          </a:p>
+          <a:p>
+            <a:r>
+              <a:rPr lang="en-US" dirty="0" smtClean="0"/>
+              <a:t>Where to go from here?</a:t>
+            </a:r>
+            <a:endParaRPr lang="en-US" dirty="0"/>
+          </a:p>
+        </p:txBody>
+      </p:sp>
+      <p:sp>
+        <p:nvSpPr>
+          <p:cNvPr id="4" name="Right Brace 3"/>
+          <p:cNvSpPr/>
+          <p:nvPr/>
+        </p:nvSpPr>
+        <p:spPr>
+          <a:xfrm>
+            <a:off x="5572461" y="1904104"/>
+            <a:ext cx="570155" cy="3474720"/>
+          </a:xfrm>
+          <a:prstGeom prst="rightBrace">
+            <a:avLst/>
+          </a:prstGeom>
+          <a:ln w="22225"/>
+        </p:spPr>
+        <p:style>
+          <a:lnRef idx="1">
+            <a:schemeClr val="accent1"/>
+          </a:lnRef>
+          <a:fillRef idx="0">
+            <a:schemeClr val="accent1"/>
+          </a:fillRef>
+          <a:effectRef idx="0">
+            <a:schemeClr val="accent1"/>
+          </a:effectRef>
+          <a:fontRef idx="minor">
+            <a:schemeClr val="tx1"/>
+          </a:fontRef>
+        </p:style>
+        <p:txBody>
+          <a:bodyPr rtlCol="0" anchor="ctr"/>
+          <a:lstStyle/>
+          <a:p>
+            <a:pPr algn="ctr"/>
+            <a:endParaRPr lang="en-US"/>
+          </a:p>
+        </p:txBody>
+      </p:sp>
+      <p:sp>
+        <p:nvSpPr>
+          <p:cNvPr id="5" name="TextBox 4"/>
+          <p:cNvSpPr txBox="1"/>
+          <p:nvPr/>
+        </p:nvSpPr>
+        <p:spPr>
+          <a:xfrm>
+            <a:off x="6183494" y="2948966"/>
+            <a:ext cx="2081339" cy="1384995"/>
+          </a:xfrm>
+          <a:prstGeom prst="rect">
+            <a:avLst/>
+          </a:prstGeom>
+          <a:noFill/>
+        </p:spPr>
+        <p:txBody>
+          <a:bodyPr wrap="none" rtlCol="0">
+            <a:spAutoFit/>
+          </a:bodyPr>
+          <a:lstStyle/>
+          <a:p>
+            <a:pPr algn="ctr"/>
+            <a:r>
+              <a:rPr lang="en-US" sz="2800" dirty="0" smtClean="0"/>
+              <a:t>Text</a:t>
+            </a:r>
+          </a:p>
+          <a:p>
+            <a:pPr algn="ctr"/>
+            <a:r>
+              <a:rPr lang="en-US" sz="2800" dirty="0" smtClean="0"/>
+              <a:t>Classification</a:t>
+            </a:r>
+          </a:p>
+          <a:p>
+            <a:pPr algn="ctr"/>
+            <a:r>
+              <a:rPr lang="en-US" sz="2800" dirty="0" smtClean="0"/>
+              <a:t>Example</a:t>
+            </a:r>
+            <a:endParaRPr lang="en-US" sz="2800" dirty="0"/>
           </a:p>
         </p:txBody>
       </p:sp>
     </p:spTree>
     <p:extLst>
       <p:ext uri="{BB962C8B-B14F-4D97-AF65-F5344CB8AC3E}">
-        <p14:creationId xmlns:p14="http://schemas.microsoft.com/office/powerpoint/2010/main" val="586260436"/>
+        <p14:creationId xmlns:p14="http://schemas.microsoft.com/office/powerpoint/2010/main" val="1602384925"/>
       </p:ext>
     </p:extLst>
   </p:cSld>
@@ -3933,6 +5425,36 @@
           <a:chExt cx="0" cy="0"/>
         </a:xfrm>
       </p:grpSpPr>
+      <p:pic>
+        <p:nvPicPr>
+          <p:cNvPr id="4" name="Content Placeholder 3"/>
+          <p:cNvPicPr>
+            <a:picLocks noChangeAspect="1"/>
+          </p:cNvPicPr>
+          <p:nvPr/>
+        </p:nvPicPr>
+        <p:blipFill>
+          <a:blip r:embed="rId2">
+            <a:extLst>
+              <a:ext uri="{28A0092B-C50C-407E-A947-70E740481C1C}">
+                <a14:useLocalDpi xmlns:a14="http://schemas.microsoft.com/office/drawing/2010/main" val="0"/>
+              </a:ext>
+            </a:extLst>
+          </a:blip>
+          <a:stretch>
+            <a:fillRect/>
+          </a:stretch>
+        </p:blipFill>
+        <p:spPr>
+          <a:xfrm>
+            <a:off x="2044784" y="1027906"/>
+            <a:ext cx="8102431" cy="5702307"/>
+          </a:xfrm>
+          <a:prstGeom prst="rect">
+            <a:avLst/>
+          </a:prstGeom>
+        </p:spPr>
+      </p:pic>
       <p:sp>
         <p:nvSpPr>
           <p:cNvPr id="2" name="Title 1"/>
@@ -3950,7 +5472,7 @@
           <a:p>
             <a:r>
               <a:rPr lang="en-US" dirty="0" smtClean="0"/>
-              <a:t>About the data set</a:t>
+              <a:t>What is Natural Language Processing?</a:t>
             </a:r>
             <a:endParaRPr lang="en-US" dirty="0"/>
           </a:p>
@@ -3958,27 +5480,53 @@
       </p:sp>
       <p:sp>
         <p:nvSpPr>
-          <p:cNvPr id="3" name="Content Placeholder 2"/>
-          <p:cNvSpPr>
-            <a:spLocks noGrp="1"/>
-          </p:cNvSpPr>
-          <p:nvPr>
-            <p:ph idx="1"/>
-          </p:nvPr>
-        </p:nvSpPr>
-        <p:spPr/>
-        <p:txBody>
-          <a:bodyPr/>
-          <a:lstStyle/>
-          <a:p>
-            <a:endParaRPr lang="en-US"/>
+          <p:cNvPr id="5" name="TextBox 4"/>
+          <p:cNvSpPr txBox="1"/>
+          <p:nvPr/>
+        </p:nvSpPr>
+        <p:spPr>
+          <a:xfrm>
+            <a:off x="9216613" y="6545547"/>
+            <a:ext cx="4274372" cy="369332"/>
+          </a:xfrm>
+          <a:prstGeom prst="rect">
+            <a:avLst/>
+          </a:prstGeom>
+          <a:noFill/>
+        </p:spPr>
+        <p:txBody>
+          <a:bodyPr wrap="square" rtlCol="0">
+            <a:spAutoFit/>
+          </a:bodyPr>
+          <a:lstStyle/>
+          <a:p>
+            <a:r>
+              <a:rPr lang="en-US" dirty="0"/>
+              <a:t>http://</a:t>
+            </a:r>
+            <a:r>
+              <a:rPr lang="en-US" dirty="0" err="1"/>
+              <a:t>www.dlsi.ua.es</a:t>
+            </a:r>
+            <a:r>
+              <a:rPr lang="en-US" dirty="0"/>
+              <a:t>/~</a:t>
+            </a:r>
+            <a:r>
+              <a:rPr lang="en-US" dirty="0" err="1"/>
+              <a:t>elloret</a:t>
+            </a:r>
+            <a:r>
+              <a:rPr lang="en-US" dirty="0"/>
+              <a:t>/</a:t>
+            </a:r>
           </a:p>
         </p:txBody>
       </p:sp>
     </p:spTree>
     <p:extLst>
       <p:ext uri="{BB962C8B-B14F-4D97-AF65-F5344CB8AC3E}">
-        <p14:creationId xmlns:p14="http://schemas.microsoft.com/office/powerpoint/2010/main" val="1243789937"/>
+        <p14:creationId xmlns:p14="http://schemas.microsoft.com/office/powerpoint/2010/main" val="1098195109"/>
       </p:ext>
     </p:extLst>
   </p:cSld>
@@ -4022,39 +5570,314 @@
           <a:p>
             <a:r>
               <a:rPr lang="en-US" dirty="0" smtClean="0"/>
-              <a:t>Picking a ML </a:t>
-            </a:r>
-            <a:r>
-              <a:rPr lang="en-US" dirty="0" err="1" smtClean="0"/>
-              <a:t>Algo</a:t>
+              <a:t>Natural Language Processing</a:t>
             </a:r>
             <a:endParaRPr lang="en-US" dirty="0"/>
           </a:p>
         </p:txBody>
       </p:sp>
-      <p:sp>
-        <p:nvSpPr>
-          <p:cNvPr id="3" name="Content Placeholder 2"/>
-          <p:cNvSpPr>
-            <a:spLocks noGrp="1"/>
-          </p:cNvSpPr>
+      <p:pic>
+        <p:nvPicPr>
+          <p:cNvPr id="4" name="Content Placeholder 3"/>
+          <p:cNvPicPr>
+            <a:picLocks noGrp="1" noChangeAspect="1"/>
+          </p:cNvPicPr>
           <p:nvPr>
             <p:ph idx="1"/>
           </p:nvPr>
-        </p:nvSpPr>
-        <p:spPr/>
-        <p:txBody>
-          <a:bodyPr/>
-          <a:lstStyle/>
-          <a:p>
-            <a:endParaRPr lang="en-US"/>
+        </p:nvPicPr>
+        <p:blipFill>
+          <a:blip r:embed="rId2">
+            <a:extLst>
+              <a:ext uri="{28A0092B-C50C-407E-A947-70E740481C1C}">
+                <a14:useLocalDpi xmlns:a14="http://schemas.microsoft.com/office/drawing/2010/main" val="0"/>
+              </a:ext>
+            </a:extLst>
+          </a:blip>
+          <a:stretch>
+            <a:fillRect/>
+          </a:stretch>
+        </p:blipFill>
+        <p:spPr>
+          <a:xfrm>
+            <a:off x="7400925" y="3292075"/>
+            <a:ext cx="4791075" cy="3371850"/>
+          </a:xfrm>
+        </p:spPr>
+      </p:pic>
+      <p:sp>
+        <p:nvSpPr>
+          <p:cNvPr id="5" name="TextBox 4"/>
+          <p:cNvSpPr txBox="1"/>
+          <p:nvPr/>
+        </p:nvSpPr>
+        <p:spPr>
+          <a:xfrm>
+            <a:off x="9216614" y="6479259"/>
+            <a:ext cx="4274372" cy="369332"/>
+          </a:xfrm>
+          <a:prstGeom prst="rect">
+            <a:avLst/>
+          </a:prstGeom>
+          <a:noFill/>
+        </p:spPr>
+        <p:txBody>
+          <a:bodyPr wrap="square" rtlCol="0">
+            <a:spAutoFit/>
+          </a:bodyPr>
+          <a:lstStyle/>
+          <a:p>
+            <a:r>
+              <a:rPr lang="en-US" dirty="0"/>
+              <a:t>http://</a:t>
+            </a:r>
+            <a:r>
+              <a:rPr lang="en-US" dirty="0" err="1"/>
+              <a:t>www.dlsi.ua.es</a:t>
+            </a:r>
+            <a:r>
+              <a:rPr lang="en-US" dirty="0"/>
+              <a:t>/~</a:t>
+            </a:r>
+            <a:r>
+              <a:rPr lang="en-US" dirty="0" err="1"/>
+              <a:t>elloret</a:t>
+            </a:r>
+            <a:r>
+              <a:rPr lang="en-US" dirty="0"/>
+              <a:t>/</a:t>
+            </a:r>
+          </a:p>
+        </p:txBody>
+      </p:sp>
+      <p:sp>
+        <p:nvSpPr>
+          <p:cNvPr id="6" name="Content Placeholder 2"/>
+          <p:cNvSpPr txBox="1">
+            <a:spLocks/>
+          </p:cNvSpPr>
+          <p:nvPr/>
+        </p:nvSpPr>
+        <p:spPr>
+          <a:xfrm>
+            <a:off x="838200" y="1825625"/>
+            <a:ext cx="10515600" cy="4351338"/>
+          </a:xfrm>
+          <a:prstGeom prst="rect">
+            <a:avLst/>
+          </a:prstGeom>
+        </p:spPr>
+        <p:txBody>
+          <a:bodyPr vert="horz" lIns="91440" tIns="45720" rIns="91440" bIns="45720" rtlCol="0">
+            <a:normAutofit/>
+          </a:bodyPr>
+          <a:lstStyle>
+            <a:lvl1pPr marL="228600" indent="-228600" algn="l" defTabSz="914400" rtl="0" eaLnBrk="1" latinLnBrk="0" hangingPunct="1">
+              <a:lnSpc>
+                <a:spcPct val="90000"/>
+              </a:lnSpc>
+              <a:spcBef>
+                <a:spcPts val="1000"/>
+              </a:spcBef>
+              <a:buFont typeface="Arial"/>
+              <a:buChar char="•"/>
+              <a:defRPr sz="2800" kern="1200">
+                <a:solidFill>
+                  <a:schemeClr val="tx1"/>
+                </a:solidFill>
+                <a:latin typeface="+mn-lt"/>
+                <a:ea typeface="+mn-ea"/>
+                <a:cs typeface="+mn-cs"/>
+              </a:defRPr>
+            </a:lvl1pPr>
+            <a:lvl2pPr marL="685800" indent="-228600" algn="l" defTabSz="914400" rtl="0" eaLnBrk="1" latinLnBrk="0" hangingPunct="1">
+              <a:lnSpc>
+                <a:spcPct val="90000"/>
+              </a:lnSpc>
+              <a:spcBef>
+                <a:spcPts val="500"/>
+              </a:spcBef>
+              <a:buFont typeface="Arial"/>
+              <a:buChar char="•"/>
+              <a:defRPr sz="2400" kern="1200">
+                <a:solidFill>
+                  <a:schemeClr val="tx1"/>
+                </a:solidFill>
+                <a:latin typeface="+mn-lt"/>
+                <a:ea typeface="+mn-ea"/>
+                <a:cs typeface="+mn-cs"/>
+              </a:defRPr>
+            </a:lvl2pPr>
+            <a:lvl3pPr marL="1143000" indent="-228600" algn="l" defTabSz="914400" rtl="0" eaLnBrk="1" latinLnBrk="0" hangingPunct="1">
+              <a:lnSpc>
+                <a:spcPct val="90000"/>
+              </a:lnSpc>
+              <a:spcBef>
+                <a:spcPts val="500"/>
+              </a:spcBef>
+              <a:buFont typeface="Arial"/>
+              <a:buChar char="•"/>
+              <a:defRPr sz="2000" kern="1200">
+                <a:solidFill>
+                  <a:schemeClr val="tx1"/>
+                </a:solidFill>
+                <a:latin typeface="+mn-lt"/>
+                <a:ea typeface="+mn-ea"/>
+                <a:cs typeface="+mn-cs"/>
+              </a:defRPr>
+            </a:lvl3pPr>
+            <a:lvl4pPr marL="1600200" indent="-228600" algn="l" defTabSz="914400" rtl="0" eaLnBrk="1" latinLnBrk="0" hangingPunct="1">
+              <a:lnSpc>
+                <a:spcPct val="90000"/>
+              </a:lnSpc>
+              <a:spcBef>
+                <a:spcPts val="500"/>
+              </a:spcBef>
+              <a:buFont typeface="Arial"/>
+              <a:buChar char="•"/>
+              <a:defRPr sz="1800" kern="1200">
+                <a:solidFill>
+                  <a:schemeClr val="tx1"/>
+                </a:solidFill>
+                <a:latin typeface="+mn-lt"/>
+                <a:ea typeface="+mn-ea"/>
+                <a:cs typeface="+mn-cs"/>
+              </a:defRPr>
+            </a:lvl4pPr>
+            <a:lvl5pPr marL="2057400" indent="-228600" algn="l" defTabSz="914400" rtl="0" eaLnBrk="1" latinLnBrk="0" hangingPunct="1">
+              <a:lnSpc>
+                <a:spcPct val="90000"/>
+              </a:lnSpc>
+              <a:spcBef>
+                <a:spcPts val="500"/>
+              </a:spcBef>
+              <a:buFont typeface="Arial"/>
+              <a:buChar char="•"/>
+              <a:defRPr sz="1800" kern="1200">
+                <a:solidFill>
+                  <a:schemeClr val="tx1"/>
+                </a:solidFill>
+                <a:latin typeface="+mn-lt"/>
+                <a:ea typeface="+mn-ea"/>
+                <a:cs typeface="+mn-cs"/>
+              </a:defRPr>
+            </a:lvl5pPr>
+            <a:lvl6pPr marL="2514600" indent="-228600" algn="l" defTabSz="914400" rtl="0" eaLnBrk="1" latinLnBrk="0" hangingPunct="1">
+              <a:lnSpc>
+                <a:spcPct val="90000"/>
+              </a:lnSpc>
+              <a:spcBef>
+                <a:spcPts val="500"/>
+              </a:spcBef>
+              <a:buFont typeface="Arial"/>
+              <a:buChar char="•"/>
+              <a:defRPr sz="1800" kern="1200">
+                <a:solidFill>
+                  <a:schemeClr val="tx1"/>
+                </a:solidFill>
+                <a:latin typeface="+mn-lt"/>
+                <a:ea typeface="+mn-ea"/>
+                <a:cs typeface="+mn-cs"/>
+              </a:defRPr>
+            </a:lvl6pPr>
+            <a:lvl7pPr marL="2971800" indent="-228600" algn="l" defTabSz="914400" rtl="0" eaLnBrk="1" latinLnBrk="0" hangingPunct="1">
+              <a:lnSpc>
+                <a:spcPct val="90000"/>
+              </a:lnSpc>
+              <a:spcBef>
+                <a:spcPts val="500"/>
+              </a:spcBef>
+              <a:buFont typeface="Arial"/>
+              <a:buChar char="•"/>
+              <a:defRPr sz="1800" kern="1200">
+                <a:solidFill>
+                  <a:schemeClr val="tx1"/>
+                </a:solidFill>
+                <a:latin typeface="+mn-lt"/>
+                <a:ea typeface="+mn-ea"/>
+                <a:cs typeface="+mn-cs"/>
+              </a:defRPr>
+            </a:lvl7pPr>
+            <a:lvl8pPr marL="3429000" indent="-228600" algn="l" defTabSz="914400" rtl="0" eaLnBrk="1" latinLnBrk="0" hangingPunct="1">
+              <a:lnSpc>
+                <a:spcPct val="90000"/>
+              </a:lnSpc>
+              <a:spcBef>
+                <a:spcPts val="500"/>
+              </a:spcBef>
+              <a:buFont typeface="Arial"/>
+              <a:buChar char="•"/>
+              <a:defRPr sz="1800" kern="1200">
+                <a:solidFill>
+                  <a:schemeClr val="tx1"/>
+                </a:solidFill>
+                <a:latin typeface="+mn-lt"/>
+                <a:ea typeface="+mn-ea"/>
+                <a:cs typeface="+mn-cs"/>
+              </a:defRPr>
+            </a:lvl8pPr>
+            <a:lvl9pPr marL="3886200" indent="-228600" algn="l" defTabSz="914400" rtl="0" eaLnBrk="1" latinLnBrk="0" hangingPunct="1">
+              <a:lnSpc>
+                <a:spcPct val="90000"/>
+              </a:lnSpc>
+              <a:spcBef>
+                <a:spcPts val="500"/>
+              </a:spcBef>
+              <a:buFont typeface="Arial"/>
+              <a:buChar char="•"/>
+              <a:defRPr sz="1800" kern="1200">
+                <a:solidFill>
+                  <a:schemeClr val="tx1"/>
+                </a:solidFill>
+                <a:latin typeface="+mn-lt"/>
+                <a:ea typeface="+mn-ea"/>
+                <a:cs typeface="+mn-cs"/>
+              </a:defRPr>
+            </a:lvl9pPr>
+          </a:lstStyle>
+          <a:p>
+            <a:r>
+              <a:rPr lang="en-US" dirty="0" smtClean="0"/>
+              <a:t>Studies interactions between Computers &amp; Human Language</a:t>
+            </a:r>
+          </a:p>
+          <a:p>
+            <a:endParaRPr lang="en-US" dirty="0" smtClean="0"/>
+          </a:p>
+          <a:p>
+            <a:pPr lvl="1"/>
+            <a:r>
+              <a:rPr lang="en-US" dirty="0" smtClean="0"/>
+              <a:t>How would a computer summarize a book?</a:t>
+            </a:r>
+          </a:p>
+          <a:p>
+            <a:endParaRPr lang="en-US" dirty="0"/>
+          </a:p>
+          <a:p>
+            <a:pPr lvl="1"/>
+            <a:r>
+              <a:rPr lang="en-US" dirty="0" smtClean="0"/>
+              <a:t>How does a person ask a computer a question?</a:t>
+            </a:r>
+          </a:p>
+          <a:p>
+            <a:endParaRPr lang="en-US" dirty="0"/>
+          </a:p>
+          <a:p>
+            <a:pPr lvl="1"/>
+            <a:r>
+              <a:rPr lang="en-US" dirty="0" smtClean="0"/>
+              <a:t>How does a computer understand speech?</a:t>
+            </a:r>
+            <a:endParaRPr lang="en-US" dirty="0"/>
           </a:p>
         </p:txBody>
       </p:sp>
     </p:spTree>
     <p:extLst>
       <p:ext uri="{BB962C8B-B14F-4D97-AF65-F5344CB8AC3E}">
-        <p14:creationId xmlns:p14="http://schemas.microsoft.com/office/powerpoint/2010/main" val="1671231091"/>
+        <p14:creationId xmlns:p14="http://schemas.microsoft.com/office/powerpoint/2010/main" val="1150211862"/>
       </p:ext>
     </p:extLst>
   </p:cSld>
@@ -4098,35 +5921,350 @@
           <a:p>
             <a:r>
               <a:rPr lang="en-US" dirty="0" smtClean="0"/>
-              <a:t>Data Pipelining</a:t>
+              <a:t>Tonight’s Text Classification Example</a:t>
             </a:r>
             <a:endParaRPr lang="en-US" dirty="0"/>
           </a:p>
         </p:txBody>
       </p:sp>
-      <p:sp>
-        <p:nvSpPr>
-          <p:cNvPr id="3" name="Content Placeholder 2"/>
-          <p:cNvSpPr>
-            <a:spLocks noGrp="1"/>
-          </p:cNvSpPr>
-          <p:nvPr>
-            <p:ph idx="1"/>
-          </p:nvPr>
-        </p:nvSpPr>
-        <p:spPr/>
-        <p:txBody>
-          <a:bodyPr/>
-          <a:lstStyle/>
-          <a:p>
-            <a:endParaRPr lang="en-US"/>
+      <p:pic>
+        <p:nvPicPr>
+          <p:cNvPr id="6" name="Picture 5"/>
+          <p:cNvPicPr>
+            <a:picLocks noChangeAspect="1"/>
+          </p:cNvPicPr>
+          <p:nvPr/>
+        </p:nvPicPr>
+        <p:blipFill>
+          <a:blip r:embed="rId3">
+            <a:extLst>
+              <a:ext uri="{28A0092B-C50C-407E-A947-70E740481C1C}">
+                <a14:useLocalDpi xmlns:a14="http://schemas.microsoft.com/office/drawing/2010/main" val="0"/>
+              </a:ext>
+            </a:extLst>
+          </a:blip>
+          <a:stretch>
+            <a:fillRect/>
+          </a:stretch>
+        </p:blipFill>
+        <p:spPr>
+          <a:xfrm>
+            <a:off x="576878" y="2528046"/>
+            <a:ext cx="3143250" cy="2218765"/>
+          </a:xfrm>
+          <a:prstGeom prst="rect">
+            <a:avLst/>
+          </a:prstGeom>
+        </p:spPr>
+      </p:pic>
+      <p:sp>
+        <p:nvSpPr>
+          <p:cNvPr id="8" name="Rounded Rectangular Callout 7"/>
+          <p:cNvSpPr/>
+          <p:nvPr/>
+        </p:nvSpPr>
+        <p:spPr>
+          <a:xfrm>
+            <a:off x="3494218" y="1818910"/>
+            <a:ext cx="1863091" cy="580913"/>
+          </a:xfrm>
+          <a:prstGeom prst="wedgeRoundRectCallout">
+            <a:avLst>
+              <a:gd name="adj1" fmla="val -50355"/>
+              <a:gd name="adj2" fmla="val 100373"/>
+              <a:gd name="adj3" fmla="val 16667"/>
+            </a:avLst>
+          </a:prstGeom>
+        </p:spPr>
+        <p:style>
+          <a:lnRef idx="2">
+            <a:schemeClr val="accent1">
+              <a:shade val="50000"/>
+            </a:schemeClr>
+          </a:lnRef>
+          <a:fillRef idx="1">
+            <a:schemeClr val="accent1"/>
+          </a:fillRef>
+          <a:effectRef idx="0">
+            <a:schemeClr val="accent1"/>
+          </a:effectRef>
+          <a:fontRef idx="minor">
+            <a:schemeClr val="lt1"/>
+          </a:fontRef>
+        </p:style>
+        <p:txBody>
+          <a:bodyPr rtlCol="0" anchor="ctr"/>
+          <a:lstStyle/>
+          <a:p>
+            <a:pPr algn="ctr"/>
+            <a:r>
+              <a:rPr lang="en-US" dirty="0" smtClean="0"/>
+              <a:t>Blah, blah, blah</a:t>
+            </a:r>
+            <a:endParaRPr lang="en-US" dirty="0"/>
+          </a:p>
+        </p:txBody>
+      </p:sp>
+      <p:cxnSp>
+        <p:nvCxnSpPr>
+          <p:cNvPr id="10" name="Straight Arrow Connector 9"/>
+          <p:cNvCxnSpPr/>
+          <p:nvPr/>
+        </p:nvCxnSpPr>
+        <p:spPr>
+          <a:xfrm>
+            <a:off x="5497158" y="2312894"/>
+            <a:ext cx="2355924" cy="1236854"/>
+          </a:xfrm>
+          <a:prstGeom prst="straightConnector1">
+            <a:avLst/>
+          </a:prstGeom>
+          <a:ln w="38100">
+            <a:tailEnd type="triangle" w="lg" len="lg"/>
+          </a:ln>
+        </p:spPr>
+        <p:style>
+          <a:lnRef idx="1">
+            <a:schemeClr val="accent1"/>
+          </a:lnRef>
+          <a:fillRef idx="0">
+            <a:schemeClr val="accent1"/>
+          </a:fillRef>
+          <a:effectRef idx="0">
+            <a:schemeClr val="accent1"/>
+          </a:effectRef>
+          <a:fontRef idx="minor">
+            <a:schemeClr val="tx1"/>
+          </a:fontRef>
+        </p:style>
+      </p:cxnSp>
+      <p:cxnSp>
+        <p:nvCxnSpPr>
+          <p:cNvPr id="11" name="Straight Arrow Connector 10"/>
+          <p:cNvCxnSpPr/>
+          <p:nvPr/>
+        </p:nvCxnSpPr>
+        <p:spPr>
+          <a:xfrm flipV="1">
+            <a:off x="5497158" y="2000058"/>
+            <a:ext cx="2355924" cy="507"/>
+          </a:xfrm>
+          <a:prstGeom prst="straightConnector1">
+            <a:avLst/>
+          </a:prstGeom>
+          <a:ln w="38100">
+            <a:tailEnd type="triangle" w="lg" len="lg"/>
+          </a:ln>
+        </p:spPr>
+        <p:style>
+          <a:lnRef idx="1">
+            <a:schemeClr val="accent1"/>
+          </a:lnRef>
+          <a:fillRef idx="0">
+            <a:schemeClr val="accent1"/>
+          </a:fillRef>
+          <a:effectRef idx="0">
+            <a:schemeClr val="accent1"/>
+          </a:effectRef>
+          <a:fontRef idx="minor">
+            <a:schemeClr val="tx1"/>
+          </a:fontRef>
+        </p:style>
+      </p:cxnSp>
+      <p:cxnSp>
+        <p:nvCxnSpPr>
+          <p:cNvPr id="12" name="Straight Arrow Connector 11"/>
+          <p:cNvCxnSpPr/>
+          <p:nvPr/>
+        </p:nvCxnSpPr>
+        <p:spPr>
+          <a:xfrm>
+            <a:off x="5497158" y="2426283"/>
+            <a:ext cx="1481866" cy="2723941"/>
+          </a:xfrm>
+          <a:prstGeom prst="straightConnector1">
+            <a:avLst/>
+          </a:prstGeom>
+          <a:ln w="38100">
+            <a:tailEnd type="triangle" w="lg" len="lg"/>
+          </a:ln>
+        </p:spPr>
+        <p:style>
+          <a:lnRef idx="1">
+            <a:schemeClr val="accent1"/>
+          </a:lnRef>
+          <a:fillRef idx="0">
+            <a:schemeClr val="accent1"/>
+          </a:fillRef>
+          <a:effectRef idx="0">
+            <a:schemeClr val="accent1"/>
+          </a:effectRef>
+          <a:fontRef idx="minor">
+            <a:schemeClr val="tx1"/>
+          </a:fontRef>
+        </p:style>
+      </p:cxnSp>
+      <p:cxnSp>
+        <p:nvCxnSpPr>
+          <p:cNvPr id="18" name="Straight Arrow Connector 17"/>
+          <p:cNvCxnSpPr/>
+          <p:nvPr/>
+        </p:nvCxnSpPr>
+        <p:spPr>
+          <a:xfrm>
+            <a:off x="5497158" y="2109366"/>
+            <a:ext cx="2355924" cy="633834"/>
+          </a:xfrm>
+          <a:prstGeom prst="straightConnector1">
+            <a:avLst/>
+          </a:prstGeom>
+          <a:ln w="38100">
+            <a:tailEnd type="triangle" w="lg" len="lg"/>
+          </a:ln>
+        </p:spPr>
+        <p:style>
+          <a:lnRef idx="1">
+            <a:schemeClr val="accent1"/>
+          </a:lnRef>
+          <a:fillRef idx="0">
+            <a:schemeClr val="accent1"/>
+          </a:fillRef>
+          <a:effectRef idx="0">
+            <a:schemeClr val="accent1"/>
+          </a:effectRef>
+          <a:fontRef idx="minor">
+            <a:schemeClr val="tx1"/>
+          </a:fontRef>
+        </p:style>
+      </p:cxnSp>
+      <p:sp>
+        <p:nvSpPr>
+          <p:cNvPr id="26" name="TextBox 25"/>
+          <p:cNvSpPr txBox="1"/>
+          <p:nvPr/>
+        </p:nvSpPr>
+        <p:spPr>
+          <a:xfrm>
+            <a:off x="6035040" y="5263613"/>
+            <a:ext cx="1818042" cy="369332"/>
+          </a:xfrm>
+          <a:prstGeom prst="rect">
+            <a:avLst/>
+          </a:prstGeom>
+          <a:noFill/>
+        </p:spPr>
+        <p:txBody>
+          <a:bodyPr wrap="square" rtlCol="0">
+            <a:spAutoFit/>
+          </a:bodyPr>
+          <a:lstStyle/>
+          <a:p>
+            <a:r>
+              <a:rPr lang="en-US" dirty="0" smtClean="0"/>
+              <a:t>Something else</a:t>
+            </a:r>
+            <a:r>
+              <a:rPr lang="is-IS" dirty="0" smtClean="0"/>
+              <a:t>…</a:t>
+            </a:r>
+            <a:endParaRPr lang="en-US" dirty="0"/>
+          </a:p>
+        </p:txBody>
+      </p:sp>
+      <p:sp>
+        <p:nvSpPr>
+          <p:cNvPr id="27" name="TextBox 26"/>
+          <p:cNvSpPr txBox="1"/>
+          <p:nvPr/>
+        </p:nvSpPr>
+        <p:spPr>
+          <a:xfrm>
+            <a:off x="7992931" y="3365082"/>
+            <a:ext cx="1818042" cy="369332"/>
+          </a:xfrm>
+          <a:prstGeom prst="rect">
+            <a:avLst/>
+          </a:prstGeom>
+          <a:noFill/>
+        </p:spPr>
+        <p:txBody>
+          <a:bodyPr wrap="square" rtlCol="0">
+            <a:spAutoFit/>
+          </a:bodyPr>
+          <a:lstStyle/>
+          <a:p>
+            <a:r>
+              <a:rPr lang="en-US" dirty="0" smtClean="0"/>
+              <a:t>Data Science</a:t>
+            </a:r>
+            <a:endParaRPr lang="en-US" dirty="0"/>
+          </a:p>
+        </p:txBody>
+      </p:sp>
+      <p:sp>
+        <p:nvSpPr>
+          <p:cNvPr id="28" name="TextBox 27"/>
+          <p:cNvSpPr txBox="1"/>
+          <p:nvPr/>
+        </p:nvSpPr>
+        <p:spPr>
+          <a:xfrm>
+            <a:off x="7992931" y="2525758"/>
+            <a:ext cx="1818042" cy="369332"/>
+          </a:xfrm>
+          <a:prstGeom prst="rect">
+            <a:avLst/>
+          </a:prstGeom>
+          <a:noFill/>
+        </p:spPr>
+        <p:txBody>
+          <a:bodyPr wrap="square" rtlCol="0">
+            <a:spAutoFit/>
+          </a:bodyPr>
+          <a:lstStyle/>
+          <a:p>
+            <a:r>
+              <a:rPr lang="en-US" dirty="0" smtClean="0"/>
+              <a:t>Hadoop</a:t>
+            </a:r>
+            <a:endParaRPr lang="en-US" dirty="0"/>
+          </a:p>
+        </p:txBody>
+      </p:sp>
+      <p:sp>
+        <p:nvSpPr>
+          <p:cNvPr id="29" name="TextBox 28"/>
+          <p:cNvSpPr txBox="1"/>
+          <p:nvPr/>
+        </p:nvSpPr>
+        <p:spPr>
+          <a:xfrm>
+            <a:off x="7992931" y="1828531"/>
+            <a:ext cx="1818042" cy="369332"/>
+          </a:xfrm>
+          <a:prstGeom prst="rect">
+            <a:avLst/>
+          </a:prstGeom>
+          <a:noFill/>
+        </p:spPr>
+        <p:txBody>
+          <a:bodyPr wrap="square" rtlCol="0">
+            <a:spAutoFit/>
+          </a:bodyPr>
+          <a:lstStyle/>
+          <a:p>
+            <a:r>
+              <a:rPr lang="en-US" dirty="0" smtClean="0"/>
+              <a:t>Python</a:t>
+            </a:r>
+            <a:endParaRPr lang="en-US" dirty="0"/>
           </a:p>
         </p:txBody>
       </p:sp>
     </p:spTree>
     <p:extLst>
       <p:ext uri="{BB962C8B-B14F-4D97-AF65-F5344CB8AC3E}">
-        <p14:creationId xmlns:p14="http://schemas.microsoft.com/office/powerpoint/2010/main" val="842136250"/>
+        <p14:creationId xmlns:p14="http://schemas.microsoft.com/office/powerpoint/2010/main" val="516341991"/>
       </p:ext>
     </p:extLst>
   </p:cSld>
@@ -4170,39 +6308,122 @@
           <a:p>
             <a:r>
               <a:rPr lang="en-US" dirty="0" smtClean="0"/>
-              <a:t>Accessing Hive in </a:t>
+              <a:t>Tonight’s Data Set</a:t>
+            </a:r>
+            <a:endParaRPr lang="en-US" dirty="0"/>
+          </a:p>
+        </p:txBody>
+      </p:sp>
+      <p:sp>
+        <p:nvSpPr>
+          <p:cNvPr id="3" name="Content Placeholder 2"/>
+          <p:cNvSpPr>
+            <a:spLocks noGrp="1"/>
+          </p:cNvSpPr>
+          <p:nvPr>
+            <p:ph idx="1"/>
+          </p:nvPr>
+        </p:nvSpPr>
+        <p:spPr/>
+        <p:txBody>
+          <a:bodyPr>
+            <a:normAutofit/>
+          </a:bodyPr>
+          <a:lstStyle/>
+          <a:p>
+            <a:r>
+              <a:rPr lang="en-US" dirty="0" smtClean="0"/>
+              <a:t>Public Tweets</a:t>
+            </a:r>
+          </a:p>
+          <a:p>
+            <a:endParaRPr lang="en-US" dirty="0" smtClean="0"/>
+          </a:p>
+          <a:p>
+            <a:pPr lvl="1"/>
+            <a:r>
+              <a:rPr lang="en-US" dirty="0" smtClean="0"/>
+              <a:t>Everyone I follow on Twitter</a:t>
+            </a:r>
+          </a:p>
+          <a:p>
+            <a:pPr lvl="1"/>
+            <a:endParaRPr lang="en-US" dirty="0" smtClean="0"/>
+          </a:p>
+          <a:p>
+            <a:pPr lvl="1"/>
+            <a:r>
+              <a:rPr lang="en-US" dirty="0"/>
+              <a:t>149,254 tweets</a:t>
+            </a:r>
+          </a:p>
+          <a:p>
+            <a:pPr lvl="1"/>
+            <a:endParaRPr lang="en-US" dirty="0" smtClean="0"/>
+          </a:p>
+          <a:p>
+            <a:pPr lvl="1"/>
+            <a:r>
+              <a:rPr lang="en-US" dirty="0" smtClean="0"/>
+              <a:t>Used </a:t>
             </a:r>
             <a:r>
               <a:rPr lang="en-US" dirty="0" err="1" smtClean="0"/>
-              <a:t>Pyspark</a:t>
+              <a:t>Twython</a:t>
+            </a:r>
+            <a:r>
+              <a:rPr lang="en-US" dirty="0" smtClean="0"/>
+              <a:t> for API</a:t>
+            </a:r>
+          </a:p>
+          <a:p>
+            <a:pPr lvl="1"/>
+            <a:endParaRPr lang="en-US" dirty="0" smtClean="0"/>
+          </a:p>
+          <a:p>
+            <a:pPr lvl="1"/>
+            <a:r>
+              <a:rPr lang="en-US" dirty="0" smtClean="0"/>
+              <a:t>Use Hive for JSON Parsing</a:t>
             </a:r>
             <a:endParaRPr lang="en-US" dirty="0"/>
           </a:p>
         </p:txBody>
       </p:sp>
-      <p:sp>
-        <p:nvSpPr>
-          <p:cNvPr id="3" name="Content Placeholder 2"/>
-          <p:cNvSpPr>
-            <a:spLocks noGrp="1"/>
-          </p:cNvSpPr>
-          <p:nvPr>
-            <p:ph idx="1"/>
-          </p:nvPr>
-        </p:nvSpPr>
-        <p:spPr/>
-        <p:txBody>
-          <a:bodyPr/>
-          <a:lstStyle/>
-          <a:p>
-            <a:endParaRPr lang="en-US"/>
-          </a:p>
-        </p:txBody>
-      </p:sp>
+      <p:pic>
+        <p:nvPicPr>
+          <p:cNvPr id="5" name="Picture 4"/>
+          <p:cNvPicPr>
+            <a:picLocks noChangeAspect="1"/>
+          </p:cNvPicPr>
+          <p:nvPr/>
+        </p:nvPicPr>
+        <p:blipFill>
+          <a:blip r:embed="rId2">
+            <a:extLst>
+              <a:ext uri="{28A0092B-C50C-407E-A947-70E740481C1C}">
+                <a14:useLocalDpi xmlns:a14="http://schemas.microsoft.com/office/drawing/2010/main" val="0"/>
+              </a:ext>
+            </a:extLst>
+          </a:blip>
+          <a:stretch>
+            <a:fillRect/>
+          </a:stretch>
+        </p:blipFill>
+        <p:spPr>
+          <a:xfrm>
+            <a:off x="6606183" y="2181546"/>
+            <a:ext cx="5255077" cy="3639496"/>
+          </a:xfrm>
+          <a:prstGeom prst="rect">
+            <a:avLst/>
+          </a:prstGeom>
+        </p:spPr>
+      </p:pic>
     </p:spTree>
     <p:extLst>
       <p:ext uri="{BB962C8B-B14F-4D97-AF65-F5344CB8AC3E}">
-        <p14:creationId xmlns:p14="http://schemas.microsoft.com/office/powerpoint/2010/main" val="1928593594"/>
+        <p14:creationId xmlns:p14="http://schemas.microsoft.com/office/powerpoint/2010/main" val="871322736"/>
       </p:ext>
     </p:extLst>
   </p:cSld>
@@ -4246,39 +6467,156 @@
           <a:p>
             <a:r>
               <a:rPr lang="en-US" dirty="0" smtClean="0"/>
-              <a:t>Accessing Other Python Libraries In </a:t>
+              <a:t>Why Spark</a:t>
+            </a:r>
+            <a:endParaRPr lang="en-US" dirty="0"/>
+          </a:p>
+        </p:txBody>
+      </p:sp>
+      <p:sp>
+        <p:nvSpPr>
+          <p:cNvPr id="3" name="Content Placeholder 2"/>
+          <p:cNvSpPr>
+            <a:spLocks noGrp="1"/>
+          </p:cNvSpPr>
+          <p:nvPr>
+            <p:ph idx="1"/>
+          </p:nvPr>
+        </p:nvSpPr>
+        <p:spPr>
+          <a:xfrm>
+            <a:off x="838200" y="1825625"/>
+            <a:ext cx="10515600" cy="4730818"/>
+          </a:xfrm>
+        </p:spPr>
+        <p:txBody>
+          <a:bodyPr>
+            <a:normAutofit fontScale="92500" lnSpcReduction="10000"/>
+          </a:bodyPr>
+          <a:lstStyle/>
+          <a:p>
+            <a:r>
+              <a:rPr lang="en-US" dirty="0" smtClean="0"/>
+              <a:t>NLP Preprocessing ideal for parallel processing</a:t>
+            </a:r>
+          </a:p>
+          <a:p>
+            <a:endParaRPr lang="en-US" dirty="0" smtClean="0"/>
+          </a:p>
+          <a:p>
+            <a:r>
+              <a:rPr lang="en-US" dirty="0" smtClean="0"/>
+              <a:t>100x faster than </a:t>
             </a:r>
             <a:r>
               <a:rPr lang="en-US" dirty="0" err="1" smtClean="0"/>
-              <a:t>Pyspark</a:t>
-            </a:r>
+              <a:t>MapReduce</a:t>
+            </a:r>
+            <a:endParaRPr lang="en-US" dirty="0" smtClean="0"/>
+          </a:p>
+          <a:p>
+            <a:pPr lvl="1"/>
+            <a:r>
+              <a:rPr lang="en-US" dirty="0" smtClean="0"/>
+              <a:t>Ideal for rapid data exploration</a:t>
+            </a:r>
+          </a:p>
+          <a:p>
+            <a:pPr lvl="1"/>
+            <a:r>
+              <a:rPr lang="en-US" dirty="0" smtClean="0"/>
+              <a:t>Great for high iteration machine learning</a:t>
+            </a:r>
+          </a:p>
+          <a:p>
+            <a:pPr lvl="1"/>
             <a:endParaRPr lang="en-US" dirty="0"/>
           </a:p>
-        </p:txBody>
-      </p:sp>
-      <p:sp>
-        <p:nvSpPr>
-          <p:cNvPr id="3" name="Content Placeholder 2"/>
-          <p:cNvSpPr>
-            <a:spLocks noGrp="1"/>
-          </p:cNvSpPr>
-          <p:nvPr>
-            <p:ph idx="1"/>
-          </p:nvPr>
-        </p:nvSpPr>
-        <p:spPr/>
-        <p:txBody>
-          <a:bodyPr/>
-          <a:lstStyle/>
-          <a:p>
+          <a:p>
+            <a:r>
+              <a:rPr lang="en-US" dirty="0" smtClean="0"/>
+              <a:t>Code in what you know</a:t>
+            </a:r>
+          </a:p>
+          <a:p>
+            <a:pPr lvl="1"/>
+            <a:r>
+              <a:rPr lang="en-US" dirty="0" smtClean="0"/>
+              <a:t>Functional programming more suited for </a:t>
+            </a:r>
+            <a:r>
+              <a:rPr lang="en-US" dirty="0" err="1" smtClean="0"/>
+              <a:t>datasci</a:t>
+            </a:r>
             <a:endParaRPr lang="en-US" dirty="0"/>
           </a:p>
-        </p:txBody>
-      </p:sp>
+          <a:p>
+            <a:endParaRPr lang="en-US" dirty="0"/>
+          </a:p>
+          <a:p>
+            <a:r>
+              <a:rPr lang="en-US" dirty="0" smtClean="0"/>
+              <a:t>Industry Interest</a:t>
+            </a:r>
+          </a:p>
+          <a:p>
+            <a:pPr lvl="1"/>
+            <a:r>
+              <a:rPr lang="en-US" dirty="0" smtClean="0"/>
+              <a:t>Quickly becoming a core </a:t>
+            </a:r>
+            <a:r>
+              <a:rPr lang="en-US" dirty="0" err="1" smtClean="0"/>
+              <a:t>datasci</a:t>
+            </a:r>
+            <a:r>
+              <a:rPr lang="en-US" dirty="0" smtClean="0"/>
+              <a:t> tool</a:t>
+            </a:r>
+          </a:p>
+          <a:p>
+            <a:pPr lvl="1"/>
+            <a:r>
+              <a:rPr lang="en-US" dirty="0" smtClean="0"/>
+              <a:t>Standardized ways of working with data</a:t>
+            </a:r>
+          </a:p>
+        </p:txBody>
+      </p:sp>
+      <p:pic>
+        <p:nvPicPr>
+          <p:cNvPr id="6" name="Picture 5"/>
+          <p:cNvPicPr>
+            <a:picLocks noChangeAspect="1"/>
+          </p:cNvPicPr>
+          <p:nvPr/>
+        </p:nvPicPr>
+        <p:blipFill>
+          <a:blip r:embed="rId2">
+            <a:extLst>
+              <a:ext uri="{28A0092B-C50C-407E-A947-70E740481C1C}">
+                <a14:useLocalDpi xmlns:a14="http://schemas.microsoft.com/office/drawing/2010/main" val="0"/>
+              </a:ext>
+            </a:extLst>
+          </a:blip>
+          <a:stretch>
+            <a:fillRect/>
+          </a:stretch>
+        </p:blipFill>
+        <p:spPr>
+          <a:xfrm>
+            <a:off x="8915400" y="4933275"/>
+            <a:ext cx="3276600" cy="1739900"/>
+          </a:xfrm>
+          <a:prstGeom prst="rect">
+            <a:avLst/>
+          </a:prstGeom>
+        </p:spPr>
+      </p:pic>
     </p:spTree>
     <p:extLst>
       <p:ext uri="{BB962C8B-B14F-4D97-AF65-F5344CB8AC3E}">
-        <p14:creationId xmlns:p14="http://schemas.microsoft.com/office/powerpoint/2010/main" val="169461819"/>
+        <p14:creationId xmlns:p14="http://schemas.microsoft.com/office/powerpoint/2010/main" val="586260436"/>
       </p:ext>
     </p:extLst>
   </p:cSld>
@@ -4547,4 +6885,265 @@
     </a:ext>
   </a:extLst>
 </a:theme>
+</file>
+
+<file path=ppt/theme/theme2.xml><?xml version="1.0" encoding="utf-8"?>
+<a:theme xmlns:a="http://schemas.openxmlformats.org/drawingml/2006/main" name="Office Theme">
+  <a:themeElements>
+    <a:clrScheme name="Office">
+      <a:dk1>
+        <a:sysClr val="windowText" lastClr="000000"/>
+      </a:dk1>
+      <a:lt1>
+        <a:sysClr val="window" lastClr="FFFFFF"/>
+      </a:lt1>
+      <a:dk2>
+        <a:srgbClr val="44546A"/>
+      </a:dk2>
+      <a:lt2>
+        <a:srgbClr val="E7E6E6"/>
+      </a:lt2>
+      <a:accent1>
+        <a:srgbClr val="5B9BD5"/>
+      </a:accent1>
+      <a:accent2>
+        <a:srgbClr val="ED7D31"/>
+      </a:accent2>
+      <a:accent3>
+        <a:srgbClr val="A5A5A5"/>
+      </a:accent3>
+      <a:accent4>
+        <a:srgbClr val="FFC000"/>
+      </a:accent4>
+      <a:accent5>
+        <a:srgbClr val="4472C4"/>
+      </a:accent5>
+      <a:accent6>
+        <a:srgbClr val="70AD47"/>
+      </a:accent6>
+      <a:hlink>
+        <a:srgbClr val="0563C1"/>
+      </a:hlink>
+      <a:folHlink>
+        <a:srgbClr val="954F72"/>
+      </a:folHlink>
+    </a:clrScheme>
+    <a:fontScheme name="Office">
+      <a:majorFont>
+        <a:latin typeface="Calibri Light" panose="020F0302020204030204"/>
+        <a:ea typeface=""/>
+        <a:cs typeface=""/>
+        <a:font script="Jpan" typeface="Yu Gothic Light"/>
+        <a:font script="Hang" typeface="맑은 고딕"/>
+        <a:font script="Hans" typeface="DengXian Light"/>
+        <a:font script="Hant" typeface="新細明體"/>
+        <a:font script="Arab" typeface="Times New Roman"/>
+        <a:font script="Hebr" typeface="Times New Roman"/>
+        <a:font script="Thai" typeface="Angsana New"/>
+        <a:font script="Ethi" typeface="Nyala"/>
+        <a:font script="Beng" typeface="Vrinda"/>
+        <a:font script="Gujr" typeface="Shruti"/>
+        <a:font script="Khmr" typeface="MoolBoran"/>
+        <a:font script="Knda" typeface="Tunga"/>
+        <a:font script="Guru" typeface="Raavi"/>
+        <a:font script="Cans" typeface="Euphemia"/>
+        <a:font script="Cher" typeface="Plantagenet Cherokee"/>
+        <a:font script="Yiii" typeface="Microsoft Yi Baiti"/>
+        <a:font script="Tibt" typeface="Microsoft Himalaya"/>
+        <a:font script="Thaa" typeface="MV Boli"/>
+        <a:font script="Deva" typeface="Mangal"/>
+        <a:font script="Telu" typeface="Gautami"/>
+        <a:font script="Taml" typeface="Latha"/>
+        <a:font script="Syrc" typeface="Estrangelo Edessa"/>
+        <a:font script="Orya" typeface="Kalinga"/>
+        <a:font script="Mlym" typeface="Kartika"/>
+        <a:font script="Laoo" typeface="DokChampa"/>
+        <a:font script="Sinh" typeface="Iskoola Pota"/>
+        <a:font script="Mong" typeface="Mongolian Baiti"/>
+        <a:font script="Viet" typeface="Times New Roman"/>
+        <a:font script="Uigh" typeface="Microsoft Uighur"/>
+        <a:font script="Geor" typeface="Sylfaen"/>
+      </a:majorFont>
+      <a:minorFont>
+        <a:latin typeface="Calibri" panose="020F0502020204030204"/>
+        <a:ea typeface=""/>
+        <a:cs typeface=""/>
+        <a:font script="Jpan" typeface="Yu Gothic"/>
+        <a:font script="Hang" typeface="맑은 고딕"/>
+        <a:font script="Hans" typeface="DengXian"/>
+        <a:font script="Hant" typeface="新細明體"/>
+        <a:font script="Arab" typeface="Arial"/>
+        <a:font script="Hebr" typeface="Arial"/>
+        <a:font script="Thai" typeface="Cordia New"/>
+        <a:font script="Ethi" typeface="Nyala"/>
+        <a:font script="Beng" typeface="Vrinda"/>
+        <a:font script="Gujr" typeface="Shruti"/>
+        <a:font script="Khmr" typeface="DaunPenh"/>
+        <a:font script="Knda" typeface="Tunga"/>
+        <a:font script="Guru" typeface="Raavi"/>
+        <a:font script="Cans" typeface="Euphemia"/>
+        <a:font script="Cher" typeface="Plantagenet Cherokee"/>
+        <a:font script="Yiii" typeface="Microsoft Yi Baiti"/>
+        <a:font script="Tibt" typeface="Microsoft Himalaya"/>
+        <a:font script="Thaa" typeface="MV Boli"/>
+        <a:font script="Deva" typeface="Mangal"/>
+        <a:font script="Telu" typeface="Gautami"/>
+        <a:font script="Taml" typeface="Latha"/>
+        <a:font script="Syrc" typeface="Estrangelo Edessa"/>
+        <a:font script="Orya" typeface="Kalinga"/>
+        <a:font script="Mlym" typeface="Kartika"/>
+        <a:font script="Laoo" typeface="DokChampa"/>
+        <a:font script="Sinh" typeface="Iskoola Pota"/>
+        <a:font script="Mong" typeface="Mongolian Baiti"/>
+        <a:font script="Viet" typeface="Arial"/>
+        <a:font script="Uigh" typeface="Microsoft Uighur"/>
+        <a:font script="Geor" typeface="Sylfaen"/>
+      </a:minorFont>
+    </a:fontScheme>
+    <a:fmtScheme name="Office">
+      <a:fillStyleLst>
+        <a:solidFill>
+          <a:schemeClr val="phClr"/>
+        </a:solidFill>
+        <a:gradFill rotWithShape="1">
+          <a:gsLst>
+            <a:gs pos="0">
+              <a:schemeClr val="phClr">
+                <a:lumMod val="110000"/>
+                <a:satMod val="105000"/>
+                <a:tint val="67000"/>
+              </a:schemeClr>
+            </a:gs>
+            <a:gs pos="50000">
+              <a:schemeClr val="phClr">
+                <a:lumMod val="105000"/>
+                <a:satMod val="103000"/>
+                <a:tint val="73000"/>
+              </a:schemeClr>
+            </a:gs>
+            <a:gs pos="100000">
+              <a:schemeClr val="phClr">
+                <a:lumMod val="105000"/>
+                <a:satMod val="109000"/>
+                <a:tint val="81000"/>
+              </a:schemeClr>
+            </a:gs>
+          </a:gsLst>
+          <a:lin ang="5400000" scaled="0"/>
+        </a:gradFill>
+        <a:gradFill rotWithShape="1">
+          <a:gsLst>
+            <a:gs pos="0">
+              <a:schemeClr val="phClr">
+                <a:satMod val="103000"/>
+                <a:lumMod val="102000"/>
+                <a:tint val="94000"/>
+              </a:schemeClr>
+            </a:gs>
+            <a:gs pos="50000">
+              <a:schemeClr val="phClr">
+                <a:satMod val="110000"/>
+                <a:lumMod val="100000"/>
+                <a:shade val="100000"/>
+              </a:schemeClr>
+            </a:gs>
+            <a:gs pos="100000">
+              <a:schemeClr val="phClr">
+                <a:lumMod val="99000"/>
+                <a:satMod val="120000"/>
+                <a:shade val="78000"/>
+              </a:schemeClr>
+            </a:gs>
+          </a:gsLst>
+          <a:lin ang="5400000" scaled="0"/>
+        </a:gradFill>
+      </a:fillStyleLst>
+      <a:lnStyleLst>
+        <a:ln w="6350" cap="flat" cmpd="sng" algn="ctr">
+          <a:solidFill>
+            <a:schemeClr val="phClr"/>
+          </a:solidFill>
+          <a:prstDash val="solid"/>
+          <a:miter lim="800000"/>
+        </a:ln>
+        <a:ln w="12700" cap="flat" cmpd="sng" algn="ctr">
+          <a:solidFill>
+            <a:schemeClr val="phClr"/>
+          </a:solidFill>
+          <a:prstDash val="solid"/>
+          <a:miter lim="800000"/>
+        </a:ln>
+        <a:ln w="19050" cap="flat" cmpd="sng" algn="ctr">
+          <a:solidFill>
+            <a:schemeClr val="phClr"/>
+          </a:solidFill>
+          <a:prstDash val="solid"/>
+          <a:miter lim="800000"/>
+        </a:ln>
+      </a:lnStyleLst>
+      <a:effectStyleLst>
+        <a:effectStyle>
+          <a:effectLst/>
+        </a:effectStyle>
+        <a:effectStyle>
+          <a:effectLst/>
+        </a:effectStyle>
+        <a:effectStyle>
+          <a:effectLst>
+            <a:outerShdw blurRad="57150" dist="19050" dir="5400000" algn="ctr" rotWithShape="0">
+              <a:srgbClr val="000000">
+                <a:alpha val="63000"/>
+              </a:srgbClr>
+            </a:outerShdw>
+          </a:effectLst>
+        </a:effectStyle>
+      </a:effectStyleLst>
+      <a:bgFillStyleLst>
+        <a:solidFill>
+          <a:schemeClr val="phClr"/>
+        </a:solidFill>
+        <a:solidFill>
+          <a:schemeClr val="phClr">
+            <a:tint val="95000"/>
+            <a:satMod val="170000"/>
+          </a:schemeClr>
+        </a:solidFill>
+        <a:gradFill rotWithShape="1">
+          <a:gsLst>
+            <a:gs pos="0">
+              <a:schemeClr val="phClr">
+                <a:tint val="93000"/>
+                <a:satMod val="150000"/>
+                <a:shade val="98000"/>
+                <a:lumMod val="102000"/>
+              </a:schemeClr>
+            </a:gs>
+            <a:gs pos="50000">
+              <a:schemeClr val="phClr">
+                <a:tint val="98000"/>
+                <a:satMod val="130000"/>
+                <a:shade val="90000"/>
+                <a:lumMod val="103000"/>
+              </a:schemeClr>
+            </a:gs>
+            <a:gs pos="100000">
+              <a:schemeClr val="phClr">
+                <a:shade val="63000"/>
+                <a:satMod val="120000"/>
+              </a:schemeClr>
+            </a:gs>
+          </a:gsLst>
+          <a:lin ang="5400000" scaled="0"/>
+        </a:gradFill>
+      </a:bgFillStyleLst>
+    </a:fmtScheme>
+  </a:themeElements>
+  <a:objectDefaults/>
+  <a:extraClrSchemeLst/>
+  <a:extLst>
+    <a:ext uri="{05A4C25C-085E-4340-85A3-A5531E510DB2}">
+      <thm15:themeFamily xmlns:thm15="http://schemas.microsoft.com/office/thememl/2012/main" name="Office Theme" id="{62F939B6-93AF-4DB8-9C6B-D6C7DFDC589F}" vid="{4A3C46E8-61CC-4603-A589-7422A47A8E4A}"/>
+    </a:ext>
+  </a:extLst>
+</a:theme>
 </file>